--- a/PPT_File/게임잼썰.pptx
+++ b/PPT_File/게임잼썰.pptx
@@ -9,21 +9,22 @@
     <p:sldId id="257" r:id="rId3"/>
     <p:sldId id="261" r:id="rId4"/>
     <p:sldId id="259" r:id="rId5"/>
-    <p:sldId id="260" r:id="rId6"/>
-    <p:sldId id="262" r:id="rId7"/>
-    <p:sldId id="264" r:id="rId8"/>
-    <p:sldId id="265" r:id="rId9"/>
-    <p:sldId id="267" r:id="rId10"/>
-    <p:sldId id="268" r:id="rId11"/>
-    <p:sldId id="269" r:id="rId12"/>
-    <p:sldId id="270" r:id="rId13"/>
-    <p:sldId id="271" r:id="rId14"/>
-    <p:sldId id="272" r:id="rId15"/>
-    <p:sldId id="273" r:id="rId16"/>
-    <p:sldId id="263" r:id="rId17"/>
-    <p:sldId id="274" r:id="rId18"/>
-    <p:sldId id="275" r:id="rId19"/>
-    <p:sldId id="276" r:id="rId20"/>
+    <p:sldId id="277" r:id="rId6"/>
+    <p:sldId id="260" r:id="rId7"/>
+    <p:sldId id="262" r:id="rId8"/>
+    <p:sldId id="264" r:id="rId9"/>
+    <p:sldId id="265" r:id="rId10"/>
+    <p:sldId id="267" r:id="rId11"/>
+    <p:sldId id="268" r:id="rId12"/>
+    <p:sldId id="269" r:id="rId13"/>
+    <p:sldId id="270" r:id="rId14"/>
+    <p:sldId id="271" r:id="rId15"/>
+    <p:sldId id="272" r:id="rId16"/>
+    <p:sldId id="273" r:id="rId17"/>
+    <p:sldId id="263" r:id="rId18"/>
+    <p:sldId id="274" r:id="rId19"/>
+    <p:sldId id="275" r:id="rId20"/>
+    <p:sldId id="276" r:id="rId21"/>
   </p:sldIdLst>
   <p:sldSz cx="9144000" cy="6858000" type="screen4x3"/>
   <p:notesSz cx="6858000" cy="9144000"/>
@@ -319,7 +320,7 @@
           <a:p>
             <a:fld id="{C4ABEEAB-6A09-425F-AFFB-109BD4846BF5}" type="datetimeFigureOut">
               <a:rPr lang="ko-KR" altLang="en-US" smtClean="0"/>
-              <a:t>2016-12-04</a:t>
+              <a:t>2017-01-25</a:t>
             </a:fld>
             <a:endParaRPr lang="ko-KR" altLang="en-US"/>
           </a:p>
@@ -672,7 +673,7 @@
           <a:p>
             <a:fld id="{C4ABEEAB-6A09-425F-AFFB-109BD4846BF5}" type="datetimeFigureOut">
               <a:rPr lang="ko-KR" altLang="en-US" smtClean="0"/>
-              <a:t>2016-12-04</a:t>
+              <a:t>2017-01-25</a:t>
             </a:fld>
             <a:endParaRPr lang="ko-KR" altLang="en-US"/>
           </a:p>
@@ -847,7 +848,7 @@
           <a:p>
             <a:fld id="{C4ABEEAB-6A09-425F-AFFB-109BD4846BF5}" type="datetimeFigureOut">
               <a:rPr lang="ko-KR" altLang="en-US" smtClean="0"/>
-              <a:t>2016-12-04</a:t>
+              <a:t>2017-01-25</a:t>
             </a:fld>
             <a:endParaRPr lang="ko-KR" altLang="en-US"/>
           </a:p>
@@ -960,7 +961,7 @@
           <a:p>
             <a:fld id="{C4ABEEAB-6A09-425F-AFFB-109BD4846BF5}" type="datetimeFigureOut">
               <a:rPr lang="ko-KR" altLang="en-US" smtClean="0"/>
-              <a:t>2016-12-04</a:t>
+              <a:t>2017-01-25</a:t>
             </a:fld>
             <a:endParaRPr lang="ko-KR" altLang="en-US"/>
           </a:p>
@@ -1318,7 +1319,7 @@
           <a:p>
             <a:fld id="{C4ABEEAB-6A09-425F-AFFB-109BD4846BF5}" type="datetimeFigureOut">
               <a:rPr lang="ko-KR" altLang="en-US" smtClean="0"/>
-              <a:t>2016-12-04</a:t>
+              <a:t>2017-01-25</a:t>
             </a:fld>
             <a:endParaRPr lang="ko-KR" altLang="en-US"/>
           </a:p>
@@ -1583,7 +1584,7 @@
           <a:p>
             <a:fld id="{C4ABEEAB-6A09-425F-AFFB-109BD4846BF5}" type="datetimeFigureOut">
               <a:rPr lang="ko-KR" altLang="en-US" smtClean="0"/>
-              <a:t>2016-12-04</a:t>
+              <a:t>2017-01-25</a:t>
             </a:fld>
             <a:endParaRPr lang="ko-KR" altLang="en-US"/>
           </a:p>
@@ -1945,7 +1946,7 @@
           <a:p>
             <a:fld id="{C4ABEEAB-6A09-425F-AFFB-109BD4846BF5}" type="datetimeFigureOut">
               <a:rPr lang="ko-KR" altLang="en-US" smtClean="0"/>
-              <a:t>2016-12-04</a:t>
+              <a:t>2017-01-25</a:t>
             </a:fld>
             <a:endParaRPr lang="ko-KR" altLang="en-US"/>
           </a:p>
@@ -2172,7 +2173,7 @@
           <a:p>
             <a:fld id="{C4ABEEAB-6A09-425F-AFFB-109BD4846BF5}" type="datetimeFigureOut">
               <a:rPr lang="ko-KR" altLang="en-US" smtClean="0"/>
-              <a:t>2016-12-04</a:t>
+              <a:t>2017-01-25</a:t>
             </a:fld>
             <a:endParaRPr lang="ko-KR" altLang="en-US"/>
           </a:p>
@@ -2262,7 +2263,7 @@
           <a:p>
             <a:fld id="{C4ABEEAB-6A09-425F-AFFB-109BD4846BF5}" type="datetimeFigureOut">
               <a:rPr lang="ko-KR" altLang="en-US" smtClean="0"/>
-              <a:t>2016-12-04</a:t>
+              <a:t>2017-01-25</a:t>
             </a:fld>
             <a:endParaRPr lang="ko-KR" altLang="en-US"/>
           </a:p>
@@ -2529,7 +2530,7 @@
           <a:p>
             <a:fld id="{C4ABEEAB-6A09-425F-AFFB-109BD4846BF5}" type="datetimeFigureOut">
               <a:rPr lang="ko-KR" altLang="en-US" smtClean="0"/>
-              <a:t>2016-12-04</a:t>
+              <a:t>2017-01-25</a:t>
             </a:fld>
             <a:endParaRPr lang="ko-KR" altLang="en-US"/>
           </a:p>
@@ -2757,7 +2758,7 @@
           <a:p>
             <a:fld id="{C4ABEEAB-6A09-425F-AFFB-109BD4846BF5}" type="datetimeFigureOut">
               <a:rPr lang="ko-KR" altLang="en-US" smtClean="0"/>
-              <a:t>2016-12-04</a:t>
+              <a:t>2017-01-25</a:t>
             </a:fld>
             <a:endParaRPr lang="ko-KR" altLang="en-US"/>
           </a:p>
@@ -3256,7 +3257,7 @@
           <a:p>
             <a:fld id="{C4ABEEAB-6A09-425F-AFFB-109BD4846BF5}" type="datetimeFigureOut">
               <a:rPr lang="ko-KR" altLang="en-US" smtClean="0"/>
-              <a:t>2016-12-04</a:t>
+              <a:t>2017-01-25</a:t>
             </a:fld>
             <a:endParaRPr lang="ko-KR" altLang="en-US"/>
           </a:p>
@@ -3906,8 +3907,8 @@
         </p:nvSpPr>
         <p:spPr>
           <a:xfrm>
-            <a:off x="755576" y="5013176"/>
-            <a:ext cx="7772400" cy="2016224"/>
+            <a:off x="755576" y="4725144"/>
+            <a:ext cx="7772400" cy="1872208"/>
           </a:xfrm>
         </p:spPr>
         <p:txBody>
@@ -3917,51 +3918,32 @@
           <a:lstStyle/>
           <a:p>
             <a:r>
+              <a:rPr lang="ko-KR" altLang="en-US" dirty="0" smtClean="0"/>
+              <a:t>저기 상자에 담긴 것들이 다 </a:t>
+            </a:r>
+            <a:r>
               <a:rPr lang="ko-KR" altLang="en-US" dirty="0" err="1" smtClean="0"/>
-              <a:t>오큘러스</a:t>
-            </a:r>
-            <a:r>
-              <a:rPr lang="ko-KR" altLang="en-US" dirty="0" smtClean="0"/>
-              <a:t> 리프트</a:t>
-            </a:r>
-            <a:r>
-              <a:rPr lang="en-US" altLang="ko-KR" dirty="0" smtClean="0"/>
-              <a:t>, </a:t>
-            </a:r>
+              <a:t>남은것들</a:t>
+            </a:r>
+            <a:endParaRPr lang="en-US" altLang="ko-KR" dirty="0" smtClean="0"/>
+          </a:p>
+          <a:p>
+            <a:endParaRPr lang="en-US" altLang="ko-KR" dirty="0"/>
+          </a:p>
+          <a:p>
             <a:r>
               <a:rPr lang="ko-KR" altLang="en-US" dirty="0" err="1" smtClean="0"/>
-              <a:t>바이브</a:t>
-            </a:r>
-            <a:r>
-              <a:rPr lang="en-US" altLang="ko-KR" dirty="0" smtClean="0"/>
-              <a:t>, </a:t>
-            </a:r>
-            <a:r>
-              <a:rPr lang="ko-KR" altLang="en-US" dirty="0" smtClean="0"/>
-              <a:t>기어</a:t>
-            </a:r>
-            <a:r>
-              <a:rPr lang="en-US" altLang="ko-KR" dirty="0" smtClean="0"/>
-              <a:t>VR </a:t>
-            </a:r>
-            <a:r>
-              <a:rPr lang="ko-KR" altLang="en-US" dirty="0" smtClean="0"/>
-              <a:t>등 최신 기기 제공</a:t>
+              <a:t>이틀동안</a:t>
+            </a:r>
+            <a:r>
+              <a:rPr lang="ko-KR" altLang="en-US" dirty="0" smtClean="0"/>
+              <a:t> 그냥 먹다가 끝난 기분도 </a:t>
+            </a:r>
+            <a:r>
+              <a:rPr lang="ko-KR" altLang="en-US" dirty="0" err="1" smtClean="0"/>
+              <a:t>듬</a:t>
             </a:r>
             <a:endParaRPr lang="en-US" altLang="ko-KR" dirty="0" smtClean="0"/>
-          </a:p>
-          <a:p>
-            <a:endParaRPr lang="en-US" altLang="ko-KR" dirty="0"/>
-          </a:p>
-          <a:p>
-            <a:r>
-              <a:rPr lang="ko-KR" altLang="en-US" dirty="0" smtClean="0"/>
-              <a:t>갖고 놀 수도 있게 해줌</a:t>
-            </a:r>
-            <a:r>
-              <a:rPr lang="en-US" altLang="ko-KR" dirty="0" smtClean="0"/>
-              <a:t>.</a:t>
-            </a:r>
           </a:p>
         </p:txBody>
       </p:sp>
@@ -3987,8 +3969,8 @@
         </p:blipFill>
         <p:spPr>
           <a:xfrm>
-            <a:off x="5004049" y="1608195"/>
-            <a:ext cx="2724930" cy="1532773"/>
+            <a:off x="4980520" y="2617503"/>
+            <a:ext cx="3191880" cy="1795433"/>
           </a:xfrm>
           <a:prstGeom prst="rect">
             <a:avLst/>
@@ -4017,8 +3999,8 @@
         </p:blipFill>
         <p:spPr>
           <a:xfrm>
-            <a:off x="1453316" y="1564416"/>
-            <a:ext cx="2458362" cy="1843771"/>
+            <a:off x="2652736" y="1633567"/>
+            <a:ext cx="3191880" cy="1795433"/>
           </a:xfrm>
           <a:prstGeom prst="rect">
             <a:avLst/>
@@ -4047,38 +4029,8 @@
         </p:blipFill>
         <p:spPr>
           <a:xfrm>
-            <a:off x="1453316" y="3486331"/>
-            <a:ext cx="2458362" cy="1382829"/>
-          </a:xfrm>
-          <a:prstGeom prst="rect">
-            <a:avLst/>
-          </a:prstGeom>
-        </p:spPr>
-      </p:pic>
-      <p:pic>
-        <p:nvPicPr>
-          <p:cNvPr id="9" name="그림 8"/>
-          <p:cNvPicPr>
-            <a:picLocks noChangeAspect="1"/>
-          </p:cNvPicPr>
-          <p:nvPr/>
-        </p:nvPicPr>
-        <p:blipFill>
-          <a:blip r:embed="rId5" cstate="print">
-            <a:extLst>
-              <a:ext uri="{28A0092B-C50C-407E-A947-70E740481C1C}">
-                <a14:useLocalDpi xmlns:a14="http://schemas.microsoft.com/office/drawing/2010/main" val="0"/>
-              </a:ext>
-            </a:extLst>
-          </a:blip>
-          <a:stretch>
-            <a:fillRect/>
-          </a:stretch>
-        </p:blipFill>
-        <p:spPr>
-          <a:xfrm>
-            <a:off x="5004049" y="3336387"/>
-            <a:ext cx="2724929" cy="1532773"/>
+            <a:off x="1140568" y="2617503"/>
+            <a:ext cx="3191880" cy="1795433"/>
           </a:xfrm>
           <a:prstGeom prst="rect">
             <a:avLst/>
@@ -4088,7 +4040,7 @@
     </p:spTree>
     <p:extLst>
       <p:ext uri="{BB962C8B-B14F-4D97-AF65-F5344CB8AC3E}">
-        <p14:creationId xmlns:p14="http://schemas.microsoft.com/office/powerpoint/2010/main" val="1063561468"/>
+        <p14:creationId xmlns:p14="http://schemas.microsoft.com/office/powerpoint/2010/main" val="1604152624"/>
       </p:ext>
     </p:extLst>
   </p:cSld>
@@ -4144,46 +4096,55 @@
           </a:bodyPr>
           <a:lstStyle/>
           <a:p>
-            <a:pPr algn="ctr"/>
-            <a:r>
-              <a:rPr lang="ko-KR" altLang="en-US" sz="4400" dirty="0" smtClean="0">
-                <a:solidFill>
-                  <a:schemeClr val="tx1"/>
-                </a:solidFill>
-                <a:latin typeface="1훈하얀고양이 R" pitchFamily="18" charset="-127"/>
-                <a:ea typeface="1훈하얀고양이 R" pitchFamily="18" charset="-127"/>
-              </a:rPr>
-              <a:t>목차엔 없는데 사실 </a:t>
-            </a:r>
-            <a:r>
-              <a:rPr lang="ko-KR" altLang="en-US" sz="4400" dirty="0" err="1" smtClean="0">
-                <a:solidFill>
-                  <a:schemeClr val="tx1"/>
-                </a:solidFill>
-                <a:latin typeface="1훈하얀고양이 R" pitchFamily="18" charset="-127"/>
-                <a:ea typeface="1훈하얀고양이 R" pitchFamily="18" charset="-127"/>
-              </a:rPr>
-              <a:t>필요한게</a:t>
-            </a:r>
-            <a:r>
-              <a:rPr lang="ko-KR" altLang="en-US" sz="4400" dirty="0" smtClean="0">
-                <a:solidFill>
-                  <a:schemeClr val="tx1"/>
-                </a:solidFill>
-                <a:latin typeface="1훈하얀고양이 R" pitchFamily="18" charset="-127"/>
-                <a:ea typeface="1훈하얀고양이 R" pitchFamily="18" charset="-127"/>
-              </a:rPr>
-              <a:t> 몇 가지 있음</a:t>
-            </a:r>
-            <a:r>
-              <a:rPr lang="en-US" altLang="ko-KR" sz="4400" dirty="0" smtClean="0">
-                <a:solidFill>
-                  <a:schemeClr val="tx1"/>
-                </a:solidFill>
-                <a:latin typeface="1훈하얀고양이 R" pitchFamily="18" charset="-127"/>
-                <a:ea typeface="1훈하얀고양이 R" pitchFamily="18" charset="-127"/>
-              </a:rPr>
-              <a:t>……</a:t>
+            <a:r>
+              <a:rPr lang="ko-KR" altLang="en-US" sz="4400" dirty="0">
+                <a:solidFill>
+                  <a:schemeClr val="tx1"/>
+                </a:solidFill>
+                <a:latin typeface="1훈하얀고양이 R" pitchFamily="18" charset="-127"/>
+                <a:ea typeface="1훈하얀고양이 R" pitchFamily="18" charset="-127"/>
+              </a:rPr>
+              <a:t>거기서 정확히 뭐 </a:t>
+            </a:r>
+            <a:r>
+              <a:rPr lang="ko-KR" altLang="en-US" sz="4400" dirty="0" err="1">
+                <a:solidFill>
+                  <a:schemeClr val="tx1"/>
+                </a:solidFill>
+                <a:latin typeface="1훈하얀고양이 R" pitchFamily="18" charset="-127"/>
+                <a:ea typeface="1훈하얀고양이 R" pitchFamily="18" charset="-127"/>
+              </a:rPr>
+              <a:t>하는거야</a:t>
+            </a:r>
+            <a:r>
+              <a:rPr lang="en-US" altLang="ko-KR" sz="4400" dirty="0">
+                <a:solidFill>
+                  <a:schemeClr val="tx1"/>
+                </a:solidFill>
+                <a:latin typeface="1훈하얀고양이 R" pitchFamily="18" charset="-127"/>
+                <a:ea typeface="1훈하얀고양이 R" pitchFamily="18" charset="-127"/>
+              </a:rPr>
+              <a:t>? – </a:t>
+            </a:r>
+            <a:r>
+              <a:rPr lang="ko-KR" altLang="en-US" sz="4400" dirty="0" err="1">
+                <a:solidFill>
+                  <a:schemeClr val="tx1"/>
+                </a:solidFill>
+                <a:latin typeface="1훈하얀고양이 R" pitchFamily="18" charset="-127"/>
+                <a:ea typeface="1훈하얀고양이 R" pitchFamily="18" charset="-127"/>
+              </a:rPr>
+              <a:t>게임잼</a:t>
+            </a:r>
+            <a:r>
+              <a:rPr lang="ko-KR" altLang="en-US" sz="4400" dirty="0">
+                <a:solidFill>
+                  <a:schemeClr val="tx1"/>
+                </a:solidFill>
+                <a:latin typeface="1훈하얀고양이 R" pitchFamily="18" charset="-127"/>
+                <a:ea typeface="1훈하얀고양이 R" pitchFamily="18" charset="-127"/>
+              </a:rPr>
+              <a:t> 내부 스케치</a:t>
             </a:r>
             <a:endParaRPr lang="en-US" altLang="ko-KR" sz="4400" dirty="0">
               <a:solidFill>
@@ -4207,8 +4168,8 @@
         </p:nvSpPr>
         <p:spPr>
           <a:xfrm>
-            <a:off x="683568" y="5733256"/>
-            <a:ext cx="7772400" cy="720080"/>
+            <a:off x="755576" y="5013176"/>
+            <a:ext cx="7772400" cy="2016224"/>
           </a:xfrm>
         </p:spPr>
         <p:txBody>
@@ -4217,36 +4178,58 @@
           </a:bodyPr>
           <a:lstStyle/>
           <a:p>
-            <a:pPr marL="0" indent="0" algn="ctr">
-              <a:buNone/>
-            </a:pPr>
-            <a:r>
-              <a:rPr lang="ko-KR" altLang="en-US" dirty="0" smtClean="0"/>
-              <a:t>오후 </a:t>
+            <a:r>
+              <a:rPr lang="ko-KR" altLang="en-US" dirty="0" err="1" smtClean="0"/>
+              <a:t>오큘러스</a:t>
+            </a:r>
+            <a:r>
+              <a:rPr lang="ko-KR" altLang="en-US" dirty="0" smtClean="0"/>
+              <a:t> 리프트</a:t>
             </a:r>
             <a:r>
               <a:rPr lang="en-US" altLang="ko-KR" dirty="0" smtClean="0"/>
-              <a:t>8</a:t>
-            </a:r>
-            <a:r>
-              <a:rPr lang="ko-KR" altLang="en-US" dirty="0" smtClean="0"/>
-              <a:t>시 </a:t>
+              <a:t>, </a:t>
+            </a:r>
+            <a:r>
+              <a:rPr lang="ko-KR" altLang="en-US" dirty="0" err="1" smtClean="0"/>
+              <a:t>바이브</a:t>
             </a:r>
             <a:r>
               <a:rPr lang="en-US" altLang="ko-KR" dirty="0" smtClean="0"/>
-              <a:t>24</a:t>
-            </a:r>
-            <a:r>
-              <a:rPr lang="ko-KR" altLang="en-US" dirty="0" smtClean="0"/>
-              <a:t>분</a:t>
+              <a:t>, </a:t>
+            </a:r>
+            <a:r>
+              <a:rPr lang="ko-KR" altLang="en-US" dirty="0" smtClean="0"/>
+              <a:t>기어</a:t>
+            </a:r>
+            <a:r>
+              <a:rPr lang="en-US" altLang="ko-KR" dirty="0" smtClean="0"/>
+              <a:t>VR </a:t>
+            </a:r>
+            <a:r>
+              <a:rPr lang="ko-KR" altLang="en-US" dirty="0" smtClean="0"/>
+              <a:t>등 최신 기기 제공</a:t>
             </a:r>
             <a:endParaRPr lang="en-US" altLang="ko-KR" dirty="0" smtClean="0"/>
+          </a:p>
+          <a:p>
+            <a:endParaRPr lang="en-US" altLang="ko-KR" dirty="0"/>
+          </a:p>
+          <a:p>
+            <a:r>
+              <a:rPr lang="ko-KR" altLang="en-US" dirty="0" smtClean="0"/>
+              <a:t>갖고 놀 수도 있게 해줌</a:t>
+            </a:r>
+            <a:r>
+              <a:rPr lang="en-US" altLang="ko-KR" dirty="0" smtClean="0"/>
+              <a:t>.</a:t>
+            </a:r>
           </a:p>
         </p:txBody>
       </p:sp>
       <p:pic>
         <p:nvPicPr>
-          <p:cNvPr id="4" name="그림 3"/>
+          <p:cNvPr id="3" name="그림 2"/>
           <p:cNvPicPr>
             <a:picLocks noChangeAspect="1"/>
           </p:cNvPicPr>
@@ -4266,242 +4249,108 @@
         </p:blipFill>
         <p:spPr>
           <a:xfrm>
-            <a:off x="1512168" y="2238903"/>
-            <a:ext cx="6084168" cy="3422345"/>
+            <a:off x="5004049" y="1608195"/>
+            <a:ext cx="2724930" cy="1532773"/>
           </a:xfrm>
           <a:prstGeom prst="rect">
             <a:avLst/>
           </a:prstGeom>
         </p:spPr>
       </p:pic>
-      <p:sp>
-        <p:nvSpPr>
-          <p:cNvPr id="10" name="내용 개체 틀 2"/>
-          <p:cNvSpPr txBox="1">
-            <a:spLocks/>
-          </p:cNvSpPr>
+      <p:pic>
+        <p:nvPicPr>
+          <p:cNvPr id="7" name="그림 6"/>
+          <p:cNvPicPr>
+            <a:picLocks noChangeAspect="1"/>
+          </p:cNvPicPr>
           <p:nvPr/>
-        </p:nvSpPr>
-        <p:spPr>
-          <a:xfrm>
-            <a:off x="683568" y="1340767"/>
-            <a:ext cx="7772400" cy="898135"/>
+        </p:nvPicPr>
+        <p:blipFill>
+          <a:blip r:embed="rId3" cstate="print">
+            <a:extLst>
+              <a:ext uri="{28A0092B-C50C-407E-A947-70E740481C1C}">
+                <a14:useLocalDpi xmlns:a14="http://schemas.microsoft.com/office/drawing/2010/main" val="0"/>
+              </a:ext>
+            </a:extLst>
+          </a:blip>
+          <a:stretch>
+            <a:fillRect/>
+          </a:stretch>
+        </p:blipFill>
+        <p:spPr>
+          <a:xfrm>
+            <a:off x="1453316" y="1564416"/>
+            <a:ext cx="2458362" cy="1843771"/>
           </a:xfrm>
           <a:prstGeom prst="rect">
             <a:avLst/>
           </a:prstGeom>
         </p:spPr>
-        <p:txBody>
-          <a:bodyPr vert="horz">
-            <a:normAutofit fontScale="85000" lnSpcReduction="20000"/>
-          </a:bodyPr>
-          <a:lstStyle>
-            <a:lvl1pPr marL="274320" indent="-274320" algn="l" rtl="0" eaLnBrk="1" latinLnBrk="1" hangingPunct="1">
-              <a:spcBef>
-                <a:spcPts val="580"/>
-              </a:spcBef>
-              <a:buClr>
-                <a:schemeClr val="accent1"/>
-              </a:buClr>
-              <a:buSzPct val="85000"/>
-              <a:buFont typeface="Wingdings 2"/>
-              <a:buChar char=""/>
-              <a:defRPr kumimoji="0" sz="2600" kern="1200">
-                <a:solidFill>
-                  <a:schemeClr val="tx1"/>
-                </a:solidFill>
-                <a:latin typeface="+mn-lt"/>
-                <a:ea typeface="+mn-ea"/>
-                <a:cs typeface="+mn-cs"/>
-              </a:defRPr>
-            </a:lvl1pPr>
-            <a:lvl2pPr marL="548640" indent="-228600" algn="l" rtl="0" eaLnBrk="1" latinLnBrk="1" hangingPunct="1">
-              <a:spcBef>
-                <a:spcPts val="370"/>
-              </a:spcBef>
-              <a:buClr>
-                <a:schemeClr val="accent2"/>
-              </a:buClr>
-              <a:buSzPct val="85000"/>
-              <a:buFont typeface="Wingdings 2"/>
-              <a:buChar char=""/>
-              <a:defRPr kumimoji="0" sz="2400" kern="1200">
-                <a:solidFill>
-                  <a:schemeClr val="tx1"/>
-                </a:solidFill>
-                <a:latin typeface="+mn-lt"/>
-                <a:ea typeface="+mn-ea"/>
-                <a:cs typeface="+mn-cs"/>
-              </a:defRPr>
-            </a:lvl2pPr>
-            <a:lvl3pPr marL="822960" indent="-228600" algn="l" rtl="0" eaLnBrk="1" latinLnBrk="1" hangingPunct="1">
-              <a:spcBef>
-                <a:spcPts val="370"/>
-              </a:spcBef>
-              <a:buClr>
-                <a:schemeClr val="accent1">
-                  <a:tint val="60000"/>
-                </a:schemeClr>
-              </a:buClr>
-              <a:buSzPct val="85000"/>
-              <a:buFont typeface="Wingdings 2"/>
-              <a:buChar char=""/>
-              <a:defRPr kumimoji="0" sz="2000" kern="1200">
-                <a:solidFill>
-                  <a:schemeClr val="tx1"/>
-                </a:solidFill>
-                <a:latin typeface="+mn-lt"/>
-                <a:ea typeface="+mn-ea"/>
-                <a:cs typeface="+mn-cs"/>
-              </a:defRPr>
-            </a:lvl3pPr>
-            <a:lvl4pPr marL="1097280" indent="-228600" algn="l" rtl="0" eaLnBrk="1" latinLnBrk="1" hangingPunct="1">
-              <a:spcBef>
-                <a:spcPts val="370"/>
-              </a:spcBef>
-              <a:buClr>
-                <a:schemeClr val="accent3"/>
-              </a:buClr>
-              <a:buSzPct val="80000"/>
-              <a:buFont typeface="Wingdings 2"/>
-              <a:buChar char=""/>
-              <a:defRPr kumimoji="0" sz="2000" kern="1200">
-                <a:solidFill>
-                  <a:schemeClr val="tx1"/>
-                </a:solidFill>
-                <a:latin typeface="+mn-lt"/>
-                <a:ea typeface="+mn-ea"/>
-                <a:cs typeface="+mn-cs"/>
-              </a:defRPr>
-            </a:lvl4pPr>
-            <a:lvl5pPr marL="1371600" indent="-228600" algn="l" rtl="0" eaLnBrk="1" latinLnBrk="1" hangingPunct="1">
-              <a:spcBef>
-                <a:spcPts val="370"/>
-              </a:spcBef>
-              <a:buClr>
-                <a:schemeClr val="accent3"/>
-              </a:buClr>
-              <a:buFontTx/>
-              <a:buChar char="o"/>
-              <a:defRPr kumimoji="0" sz="2000" kern="1200">
-                <a:solidFill>
-                  <a:schemeClr val="tx1"/>
-                </a:solidFill>
-                <a:latin typeface="+mn-lt"/>
-                <a:ea typeface="+mn-ea"/>
-                <a:cs typeface="+mn-cs"/>
-              </a:defRPr>
-            </a:lvl5pPr>
-            <a:lvl6pPr marL="1645920" indent="-228600" algn="l" rtl="0" eaLnBrk="1" latinLnBrk="1" hangingPunct="1">
-              <a:spcBef>
-                <a:spcPts val="370"/>
-              </a:spcBef>
-              <a:buClr>
-                <a:schemeClr val="accent3"/>
-              </a:buClr>
-              <a:buChar char="•"/>
-              <a:defRPr kumimoji="0" sz="1800" kern="1200" baseline="0">
-                <a:solidFill>
-                  <a:schemeClr val="tx1"/>
-                </a:solidFill>
-                <a:latin typeface="+mn-lt"/>
-                <a:ea typeface="+mn-ea"/>
-                <a:cs typeface="+mn-cs"/>
-              </a:defRPr>
-            </a:lvl6pPr>
-            <a:lvl7pPr marL="1920240" indent="-228600" algn="l" rtl="0" eaLnBrk="1" latinLnBrk="1" hangingPunct="1">
-              <a:spcBef>
-                <a:spcPts val="370"/>
-              </a:spcBef>
-              <a:buClr>
-                <a:schemeClr val="accent2"/>
-              </a:buClr>
-              <a:buChar char="•"/>
-              <a:defRPr kumimoji="0" sz="1800" kern="1200">
-                <a:solidFill>
-                  <a:schemeClr val="tx1"/>
-                </a:solidFill>
-                <a:latin typeface="+mn-lt"/>
-                <a:ea typeface="+mn-ea"/>
-                <a:cs typeface="+mn-cs"/>
-              </a:defRPr>
-            </a:lvl7pPr>
-            <a:lvl8pPr marL="2194560" indent="-228600" algn="l" rtl="0" eaLnBrk="1" latinLnBrk="1" hangingPunct="1">
-              <a:spcBef>
-                <a:spcPts val="370"/>
-              </a:spcBef>
-              <a:buClr>
-                <a:schemeClr val="accent1">
-                  <a:tint val="60000"/>
-                </a:schemeClr>
-              </a:buClr>
-              <a:buChar char="•"/>
-              <a:defRPr kumimoji="0" sz="1800" kern="1200">
-                <a:solidFill>
-                  <a:schemeClr val="tx1"/>
-                </a:solidFill>
-                <a:latin typeface="+mn-lt"/>
-                <a:ea typeface="+mn-ea"/>
-                <a:cs typeface="+mn-cs"/>
-              </a:defRPr>
-            </a:lvl8pPr>
-            <a:lvl9pPr marL="2468880" indent="-228600" algn="l" rtl="0" eaLnBrk="1" latinLnBrk="1" hangingPunct="1">
-              <a:spcBef>
-                <a:spcPts val="370"/>
-              </a:spcBef>
-              <a:buClr>
-                <a:schemeClr val="accent2">
-                  <a:tint val="60000"/>
-                </a:schemeClr>
-              </a:buClr>
-              <a:buChar char="•"/>
-              <a:defRPr kumimoji="0" sz="1800" kern="1200">
-                <a:solidFill>
-                  <a:schemeClr val="tx1"/>
-                </a:solidFill>
-                <a:latin typeface="+mn-lt"/>
-                <a:ea typeface="+mn-ea"/>
-                <a:cs typeface="+mn-cs"/>
-              </a:defRPr>
-            </a:lvl9pPr>
-          </a:lstStyle>
-          <a:p>
-            <a:endParaRPr lang="en-US" altLang="ko-KR" dirty="0" smtClean="0"/>
-          </a:p>
-          <a:p>
-            <a:pPr algn="ctr"/>
-            <a:r>
-              <a:rPr lang="ko-KR" altLang="en-US" sz="4000" dirty="0" smtClean="0"/>
-              <a:t>첫 번째가 바로 </a:t>
-            </a:r>
-            <a:r>
-              <a:rPr lang="ko-KR" altLang="en-US" sz="4000" dirty="0" err="1" smtClean="0">
-                <a:solidFill>
-                  <a:srgbClr val="FF0000"/>
-                </a:solidFill>
-              </a:rPr>
-              <a:t>야근력</a:t>
-            </a:r>
-            <a:r>
-              <a:rPr lang="en-US" altLang="ko-KR" sz="4000" dirty="0" smtClean="0">
-                <a:solidFill>
-                  <a:srgbClr val="FF0000"/>
-                </a:solidFill>
-              </a:rPr>
-              <a:t>!</a:t>
-            </a:r>
-            <a:endParaRPr lang="en-US" altLang="ko-KR" sz="4000" dirty="0" smtClean="0">
-              <a:solidFill>
-                <a:srgbClr val="FF0000"/>
-              </a:solidFill>
-            </a:endParaRPr>
-          </a:p>
-        </p:txBody>
-      </p:sp>
+      </p:pic>
+      <p:pic>
+        <p:nvPicPr>
+          <p:cNvPr id="8" name="그림 7"/>
+          <p:cNvPicPr>
+            <a:picLocks noChangeAspect="1"/>
+          </p:cNvPicPr>
+          <p:nvPr/>
+        </p:nvPicPr>
+        <p:blipFill>
+          <a:blip r:embed="rId4" cstate="print">
+            <a:extLst>
+              <a:ext uri="{28A0092B-C50C-407E-A947-70E740481C1C}">
+                <a14:useLocalDpi xmlns:a14="http://schemas.microsoft.com/office/drawing/2010/main" val="0"/>
+              </a:ext>
+            </a:extLst>
+          </a:blip>
+          <a:stretch>
+            <a:fillRect/>
+          </a:stretch>
+        </p:blipFill>
+        <p:spPr>
+          <a:xfrm>
+            <a:off x="1453316" y="3486331"/>
+            <a:ext cx="2458362" cy="1382829"/>
+          </a:xfrm>
+          <a:prstGeom prst="rect">
+            <a:avLst/>
+          </a:prstGeom>
+        </p:spPr>
+      </p:pic>
+      <p:pic>
+        <p:nvPicPr>
+          <p:cNvPr id="9" name="그림 8"/>
+          <p:cNvPicPr>
+            <a:picLocks noChangeAspect="1"/>
+          </p:cNvPicPr>
+          <p:nvPr/>
+        </p:nvPicPr>
+        <p:blipFill>
+          <a:blip r:embed="rId5" cstate="print">
+            <a:extLst>
+              <a:ext uri="{28A0092B-C50C-407E-A947-70E740481C1C}">
+                <a14:useLocalDpi xmlns:a14="http://schemas.microsoft.com/office/drawing/2010/main" val="0"/>
+              </a:ext>
+            </a:extLst>
+          </a:blip>
+          <a:stretch>
+            <a:fillRect/>
+          </a:stretch>
+        </p:blipFill>
+        <p:spPr>
+          <a:xfrm>
+            <a:off x="5004049" y="3336387"/>
+            <a:ext cx="2724929" cy="1532773"/>
+          </a:xfrm>
+          <a:prstGeom prst="rect">
+            <a:avLst/>
+          </a:prstGeom>
+        </p:spPr>
+      </p:pic>
     </p:spTree>
     <p:extLst>
       <p:ext uri="{BB962C8B-B14F-4D97-AF65-F5344CB8AC3E}">
-        <p14:creationId xmlns:p14="http://schemas.microsoft.com/office/powerpoint/2010/main" val="3384992223"/>
+        <p14:creationId xmlns:p14="http://schemas.microsoft.com/office/powerpoint/2010/main" val="1063561468"/>
       </p:ext>
     </p:extLst>
   </p:cSld>
@@ -4635,19 +4484,11 @@
             </a:pPr>
             <a:r>
               <a:rPr lang="ko-KR" altLang="en-US" dirty="0" smtClean="0"/>
-              <a:t>새</a:t>
-            </a:r>
-            <a:r>
-              <a:rPr lang="ko-KR" altLang="en-US" dirty="0"/>
-              <a:t>벽</a:t>
-            </a:r>
-            <a:r>
-              <a:rPr lang="ko-KR" altLang="en-US" dirty="0" smtClean="0"/>
-              <a:t> </a:t>
-            </a:r>
-            <a:r>
-              <a:rPr lang="en-US" altLang="ko-KR" dirty="0"/>
-              <a:t>2</a:t>
+              <a:t>오후 </a:t>
+            </a:r>
+            <a:r>
+              <a:rPr lang="en-US" altLang="ko-KR" dirty="0" smtClean="0"/>
+              <a:t>8</a:t>
             </a:r>
             <a:r>
               <a:rPr lang="ko-KR" altLang="en-US" dirty="0" smtClean="0"/>
@@ -4655,7 +4496,7 @@
             </a:r>
             <a:r>
               <a:rPr lang="en-US" altLang="ko-KR" dirty="0" smtClean="0"/>
-              <a:t>26</a:t>
+              <a:t>24</a:t>
             </a:r>
             <a:r>
               <a:rPr lang="ko-KR" altLang="en-US" dirty="0" smtClean="0"/>
@@ -4665,6 +4506,36 @@
           </a:p>
         </p:txBody>
       </p:sp>
+      <p:pic>
+        <p:nvPicPr>
+          <p:cNvPr id="4" name="그림 3"/>
+          <p:cNvPicPr>
+            <a:picLocks noChangeAspect="1"/>
+          </p:cNvPicPr>
+          <p:nvPr/>
+        </p:nvPicPr>
+        <p:blipFill>
+          <a:blip r:embed="rId2" cstate="print">
+            <a:extLst>
+              <a:ext uri="{28A0092B-C50C-407E-A947-70E740481C1C}">
+                <a14:useLocalDpi xmlns:a14="http://schemas.microsoft.com/office/drawing/2010/main" val="0"/>
+              </a:ext>
+            </a:extLst>
+          </a:blip>
+          <a:stretch>
+            <a:fillRect/>
+          </a:stretch>
+        </p:blipFill>
+        <p:spPr>
+          <a:xfrm>
+            <a:off x="1512168" y="2238903"/>
+            <a:ext cx="6084168" cy="3422345"/>
+          </a:xfrm>
+          <a:prstGeom prst="rect">
+            <a:avLst/>
+          </a:prstGeom>
+        </p:spPr>
+      </p:pic>
       <p:sp>
         <p:nvSpPr>
           <p:cNvPr id="10" name="내용 개체 틀 2"/>
@@ -4862,12 +4733,8 @@
           <a:p>
             <a:pPr algn="ctr"/>
             <a:r>
-              <a:rPr lang="ko-KR" altLang="en-US" sz="4000" dirty="0"/>
-              <a:t>두</a:t>
-            </a:r>
-            <a:r>
               <a:rPr lang="ko-KR" altLang="en-US" sz="4000" dirty="0" smtClean="0"/>
-              <a:t> 번째도 바로 </a:t>
+              <a:t>첫 번째가 바로 </a:t>
             </a:r>
             <a:r>
               <a:rPr lang="ko-KR" altLang="en-US" sz="4000" dirty="0" err="1" smtClean="0">
@@ -4885,48 +4752,13 @@
               </a:rPr>
               <a:t>!</a:t>
             </a:r>
-            <a:endParaRPr lang="en-US" altLang="ko-KR" sz="4000" dirty="0" smtClean="0">
-              <a:solidFill>
-                <a:srgbClr val="FF0000"/>
-              </a:solidFill>
-            </a:endParaRPr>
-          </a:p>
-        </p:txBody>
-      </p:sp>
-      <p:pic>
-        <p:nvPicPr>
-          <p:cNvPr id="3" name="그림 2"/>
-          <p:cNvPicPr>
-            <a:picLocks noChangeAspect="1"/>
-          </p:cNvPicPr>
-          <p:nvPr/>
-        </p:nvPicPr>
-        <p:blipFill>
-          <a:blip r:embed="rId2" cstate="print">
-            <a:extLst>
-              <a:ext uri="{28A0092B-C50C-407E-A947-70E740481C1C}">
-                <a14:useLocalDpi xmlns:a14="http://schemas.microsoft.com/office/drawing/2010/main" val="0"/>
-              </a:ext>
-            </a:extLst>
-          </a:blip>
-          <a:stretch>
-            <a:fillRect/>
-          </a:stretch>
-        </p:blipFill>
-        <p:spPr>
-          <a:xfrm>
-            <a:off x="1527684" y="2310911"/>
-            <a:ext cx="6084168" cy="3422345"/>
-          </a:xfrm>
-          <a:prstGeom prst="rect">
-            <a:avLst/>
-          </a:prstGeom>
-        </p:spPr>
-      </p:pic>
+          </a:p>
+        </p:txBody>
+      </p:sp>
     </p:spTree>
     <p:extLst>
       <p:ext uri="{BB962C8B-B14F-4D97-AF65-F5344CB8AC3E}">
-        <p14:creationId xmlns:p14="http://schemas.microsoft.com/office/powerpoint/2010/main" val="2892781746"/>
+        <p14:creationId xmlns:p14="http://schemas.microsoft.com/office/powerpoint/2010/main" val="3384992223"/>
       </p:ext>
     </p:extLst>
   </p:cSld>
@@ -5071,16 +4903,16 @@
               <a:t> </a:t>
             </a:r>
             <a:r>
+              <a:rPr lang="en-US" altLang="ko-KR" dirty="0"/>
+              <a:t>2</a:t>
+            </a:r>
+            <a:r>
+              <a:rPr lang="ko-KR" altLang="en-US" dirty="0" smtClean="0"/>
+              <a:t>시 </a:t>
+            </a:r>
+            <a:r>
               <a:rPr lang="en-US" altLang="ko-KR" dirty="0" smtClean="0"/>
-              <a:t>4</a:t>
-            </a:r>
-            <a:r>
-              <a:rPr lang="ko-KR" altLang="en-US" dirty="0" smtClean="0"/>
-              <a:t>시 </a:t>
-            </a:r>
-            <a:r>
-              <a:rPr lang="en-US" altLang="ko-KR" dirty="0" smtClean="0"/>
-              <a:t>05</a:t>
+              <a:t>26</a:t>
             </a:r>
             <a:r>
               <a:rPr lang="ko-KR" altLang="en-US" dirty="0" smtClean="0"/>
@@ -5287,8 +5119,12 @@
           <a:p>
             <a:pPr algn="ctr"/>
             <a:r>
+              <a:rPr lang="ko-KR" altLang="en-US" sz="4000" dirty="0"/>
+              <a:t>두</a:t>
+            </a:r>
+            <a:r>
               <a:rPr lang="ko-KR" altLang="en-US" sz="4000" dirty="0" smtClean="0"/>
-              <a:t>세 번째도 역시 </a:t>
+              <a:t> 번째도 바로 </a:t>
             </a:r>
             <a:r>
               <a:rPr lang="ko-KR" altLang="en-US" sz="4000" dirty="0" err="1" smtClean="0">
@@ -5304,19 +5140,14 @@
                   <a:srgbClr val="FF0000"/>
                 </a:solidFill>
               </a:rPr>
-              <a:t>!!!</a:t>
-            </a:r>
-            <a:endParaRPr lang="en-US" altLang="ko-KR" sz="4000" dirty="0" smtClean="0">
-              <a:solidFill>
-                <a:srgbClr val="FF0000"/>
-              </a:solidFill>
-            </a:endParaRPr>
+              <a:t>!</a:t>
+            </a:r>
           </a:p>
         </p:txBody>
       </p:sp>
       <p:pic>
         <p:nvPicPr>
-          <p:cNvPr id="4" name="그림 3"/>
+          <p:cNvPr id="3" name="그림 2"/>
           <p:cNvPicPr>
             <a:picLocks noChangeAspect="1"/>
           </p:cNvPicPr>
@@ -5336,8 +5167,8 @@
         </p:blipFill>
         <p:spPr>
           <a:xfrm>
-            <a:off x="1475656" y="2238902"/>
-            <a:ext cx="6272697" cy="3528392"/>
+            <a:off x="1527684" y="2310911"/>
+            <a:ext cx="6084168" cy="3422345"/>
           </a:xfrm>
           <a:prstGeom prst="rect">
             <a:avLst/>
@@ -5347,7 +5178,7 @@
     </p:spTree>
     <p:extLst>
       <p:ext uri="{BB962C8B-B14F-4D97-AF65-F5344CB8AC3E}">
-        <p14:creationId xmlns:p14="http://schemas.microsoft.com/office/powerpoint/2010/main" val="688983929"/>
+        <p14:creationId xmlns:p14="http://schemas.microsoft.com/office/powerpoint/2010/main" val="2892781746"/>
       </p:ext>
     </p:extLst>
   </p:cSld>
@@ -5481,19 +5312,19 @@
             </a:pPr>
             <a:r>
               <a:rPr lang="ko-KR" altLang="en-US" dirty="0" smtClean="0"/>
-              <a:t>아</a:t>
+              <a:t>새</a:t>
             </a:r>
             <a:r>
               <a:rPr lang="ko-KR" altLang="en-US" dirty="0"/>
-              <a:t>침</a:t>
+              <a:t>벽</a:t>
             </a:r>
             <a:r>
               <a:rPr lang="ko-KR" altLang="en-US" dirty="0" smtClean="0"/>
               <a:t> </a:t>
             </a:r>
             <a:r>
-              <a:rPr lang="en-US" altLang="ko-KR" dirty="0"/>
-              <a:t>7</a:t>
+              <a:rPr lang="en-US" altLang="ko-KR" dirty="0" smtClean="0"/>
+              <a:t>4</a:t>
             </a:r>
             <a:r>
               <a:rPr lang="ko-KR" altLang="en-US" dirty="0" smtClean="0"/>
@@ -5501,7 +5332,7 @@
             </a:r>
             <a:r>
               <a:rPr lang="en-US" altLang="ko-KR" dirty="0" smtClean="0"/>
-              <a:t>14</a:t>
+              <a:t>05</a:t>
             </a:r>
             <a:r>
               <a:rPr lang="ko-KR" altLang="en-US" dirty="0" smtClean="0"/>
@@ -5521,7 +5352,7 @@
         </p:nvSpPr>
         <p:spPr>
           <a:xfrm>
-            <a:off x="760040" y="1340767"/>
+            <a:off x="683568" y="1340767"/>
             <a:ext cx="7772400" cy="898135"/>
           </a:xfrm>
           <a:prstGeom prst="rect">
@@ -5708,12 +5539,16 @@
           <a:p>
             <a:pPr algn="ctr"/>
             <a:r>
-              <a:rPr lang="ko-KR" altLang="en-US" sz="4000" dirty="0" smtClean="0">
+              <a:rPr lang="ko-KR" altLang="en-US" sz="4000" dirty="0" smtClean="0"/>
+              <a:t>세 번째도 역시 </a:t>
+            </a:r>
+            <a:r>
+              <a:rPr lang="ko-KR" altLang="en-US" sz="4000" dirty="0" err="1" smtClean="0">
                 <a:solidFill>
                   <a:srgbClr val="FF0000"/>
                 </a:solidFill>
               </a:rPr>
-              <a:t>야</a:t>
+              <a:t>야근력</a:t>
             </a:r>
             <a:r>
               <a:rPr lang="en-US" altLang="ko-KR" sz="4000" dirty="0" smtClean="0">
@@ -5723,49 +5558,12 @@
               </a:rPr>
               <a:t>!!!</a:t>
             </a:r>
-            <a:r>
-              <a:rPr lang="ko-KR" altLang="en-US" sz="4000" dirty="0" smtClean="0">
-                <a:solidFill>
-                  <a:srgbClr val="FF0000"/>
-                </a:solidFill>
-              </a:rPr>
-              <a:t>근</a:t>
-            </a:r>
-            <a:r>
-              <a:rPr lang="en-US" altLang="ko-KR" sz="4000" dirty="0" smtClean="0">
-                <a:solidFill>
-                  <a:srgbClr val="FF0000"/>
-                </a:solidFill>
-              </a:rPr>
-              <a:t>!!!</a:t>
-            </a:r>
-            <a:r>
-              <a:rPr lang="ko-KR" altLang="en-US" sz="4000" dirty="0" err="1" smtClean="0">
-                <a:solidFill>
-                  <a:srgbClr val="FF0000"/>
-                </a:solidFill>
-              </a:rPr>
-              <a:t>력</a:t>
-            </a:r>
-            <a:r>
-              <a:rPr lang="en-US" altLang="ko-KR" sz="4000" dirty="0" smtClean="0">
-                <a:solidFill>
-                  <a:srgbClr val="FF0000"/>
-                </a:solidFill>
-              </a:rPr>
-              <a:t>!!!!!!!!!!!!</a:t>
-            </a:r>
-            <a:endParaRPr lang="en-US" altLang="ko-KR" sz="4000" dirty="0" smtClean="0">
-              <a:solidFill>
-                <a:srgbClr val="FF0000"/>
-              </a:solidFill>
-            </a:endParaRPr>
           </a:p>
         </p:txBody>
       </p:sp>
       <p:pic>
         <p:nvPicPr>
-          <p:cNvPr id="3" name="그림 2"/>
+          <p:cNvPr id="4" name="그림 3"/>
           <p:cNvPicPr>
             <a:picLocks noChangeAspect="1"/>
           </p:cNvPicPr>
@@ -5785,8 +5583,8 @@
         </p:blipFill>
         <p:spPr>
           <a:xfrm>
-            <a:off x="1547664" y="2278836"/>
-            <a:ext cx="6120680" cy="3442883"/>
+            <a:off x="1475656" y="2238902"/>
+            <a:ext cx="6272697" cy="3528392"/>
           </a:xfrm>
           <a:prstGeom prst="rect">
             <a:avLst/>
@@ -5796,7 +5594,7 @@
     </p:spTree>
     <p:extLst>
       <p:ext uri="{BB962C8B-B14F-4D97-AF65-F5344CB8AC3E}">
-        <p14:creationId xmlns:p14="http://schemas.microsoft.com/office/powerpoint/2010/main" val="3221335820"/>
+        <p14:creationId xmlns:p14="http://schemas.microsoft.com/office/powerpoint/2010/main" val="688983929"/>
       </p:ext>
     </p:extLst>
   </p:cSld>
@@ -5950,7 +5748,7 @@
             </a:r>
             <a:r>
               <a:rPr lang="en-US" altLang="ko-KR" dirty="0" smtClean="0"/>
-              <a:t>46</a:t>
+              <a:t>14</a:t>
             </a:r>
             <a:r>
               <a:rPr lang="ko-KR" altLang="en-US" dirty="0" smtClean="0"/>
@@ -6157,36 +5955,59 @@
           <a:p>
             <a:pPr algn="ctr"/>
             <a:r>
-              <a:rPr lang="ko-KR" altLang="en-US" sz="4000" dirty="0" smtClean="0"/>
-              <a:t>그리고 완성</a:t>
-            </a:r>
-            <a:r>
-              <a:rPr lang="en-US" altLang="ko-KR" sz="4000" dirty="0" smtClean="0"/>
-              <a:t>! </a:t>
-            </a:r>
-            <a:r>
-              <a:rPr lang="ko-KR" altLang="en-US" sz="4000" dirty="0" smtClean="0"/>
-              <a:t>어때요</a:t>
-            </a:r>
-            <a:r>
-              <a:rPr lang="en-US" altLang="ko-KR" sz="4000" dirty="0" smtClean="0"/>
-              <a:t>, </a:t>
-            </a:r>
-            <a:r>
-              <a:rPr lang="ko-KR" altLang="en-US" sz="4000" dirty="0" smtClean="0"/>
-              <a:t>참 쉽죠</a:t>
-            </a:r>
-            <a:r>
-              <a:rPr lang="en-US" altLang="ko-KR" sz="4000" dirty="0" smtClean="0"/>
-              <a:t>~?</a:t>
-            </a:r>
-            <a:endParaRPr lang="en-US" altLang="ko-KR" sz="4000" dirty="0" smtClean="0"/>
+              <a:rPr lang="ko-KR" altLang="en-US" sz="4000" dirty="0" smtClean="0">
+                <a:solidFill>
+                  <a:srgbClr val="FF0000"/>
+                </a:solidFill>
+              </a:rPr>
+              <a:t>야</a:t>
+            </a:r>
+            <a:r>
+              <a:rPr lang="en-US" altLang="ko-KR" sz="4000" dirty="0" smtClean="0">
+                <a:solidFill>
+                  <a:srgbClr val="FF0000"/>
+                </a:solidFill>
+              </a:rPr>
+              <a:t>!!!</a:t>
+            </a:r>
+            <a:r>
+              <a:rPr lang="ko-KR" altLang="en-US" sz="4000" dirty="0" smtClean="0">
+                <a:solidFill>
+                  <a:srgbClr val="FF0000"/>
+                </a:solidFill>
+              </a:rPr>
+              <a:t>근</a:t>
+            </a:r>
+            <a:r>
+              <a:rPr lang="en-US" altLang="ko-KR" sz="4000" dirty="0" smtClean="0">
+                <a:solidFill>
+                  <a:srgbClr val="FF0000"/>
+                </a:solidFill>
+              </a:rPr>
+              <a:t>!!!</a:t>
+            </a:r>
+            <a:r>
+              <a:rPr lang="ko-KR" altLang="en-US" sz="4000" dirty="0" err="1" smtClean="0">
+                <a:solidFill>
+                  <a:srgbClr val="FF0000"/>
+                </a:solidFill>
+              </a:rPr>
+              <a:t>력</a:t>
+            </a:r>
+            <a:r>
+              <a:rPr lang="en-US" altLang="ko-KR" sz="4000" dirty="0" smtClean="0">
+                <a:solidFill>
+                  <a:srgbClr val="FF0000"/>
+                </a:solidFill>
+              </a:rPr>
+              <a:t>!!!!!!!!!!!!</a:t>
+            </a:r>
           </a:p>
         </p:txBody>
       </p:sp>
       <p:pic>
         <p:nvPicPr>
-          <p:cNvPr id="4" name="그림 3"/>
+          <p:cNvPr id="3" name="그림 2"/>
           <p:cNvPicPr>
             <a:picLocks noChangeAspect="1"/>
           </p:cNvPicPr>
@@ -6206,8 +6027,8 @@
         </p:blipFill>
         <p:spPr>
           <a:xfrm>
-            <a:off x="1475656" y="2281372"/>
-            <a:ext cx="6264696" cy="3523892"/>
+            <a:off x="1547664" y="2278836"/>
+            <a:ext cx="6120680" cy="3442883"/>
           </a:xfrm>
           <a:prstGeom prst="rect">
             <a:avLst/>
@@ -6217,7 +6038,7 @@
     </p:spTree>
     <p:extLst>
       <p:ext uri="{BB962C8B-B14F-4D97-AF65-F5344CB8AC3E}">
-        <p14:creationId xmlns:p14="http://schemas.microsoft.com/office/powerpoint/2010/main" val="3175990016"/>
+        <p14:creationId xmlns:p14="http://schemas.microsoft.com/office/powerpoint/2010/main" val="3221335820"/>
       </p:ext>
     </p:extLst>
   </p:cSld>
@@ -6269,61 +6090,64 @@
         </p:spPr>
         <p:txBody>
           <a:bodyPr>
-            <a:normAutofit/>
+            <a:normAutofit fontScale="90000"/>
           </a:bodyPr>
           <a:lstStyle/>
           <a:p>
-            <a:r>
-              <a:rPr lang="ko-KR" altLang="en-US" dirty="0">
-                <a:solidFill>
-                  <a:schemeClr val="tx1"/>
-                </a:solidFill>
-                <a:latin typeface="1훈하얀고양이 R" pitchFamily="18" charset="-127"/>
-                <a:ea typeface="1훈하얀고양이 R" pitchFamily="18" charset="-127"/>
-              </a:rPr>
-              <a:t>그거 하면 뭐라도 주냐</a:t>
-            </a:r>
-            <a:r>
-              <a:rPr lang="en-US" altLang="ko-KR" dirty="0">
-                <a:solidFill>
-                  <a:schemeClr val="tx1"/>
-                </a:solidFill>
-                <a:latin typeface="1훈하얀고양이 R" pitchFamily="18" charset="-127"/>
-                <a:ea typeface="1훈하얀고양이 R" pitchFamily="18" charset="-127"/>
-              </a:rPr>
-              <a:t>? – </a:t>
-            </a:r>
-            <a:r>
-              <a:rPr lang="ko-KR" altLang="en-US" dirty="0">
-                <a:solidFill>
-                  <a:schemeClr val="tx1"/>
-                </a:solidFill>
-                <a:latin typeface="1훈하얀고양이 R" pitchFamily="18" charset="-127"/>
-                <a:ea typeface="1훈하얀고양이 R" pitchFamily="18" charset="-127"/>
-              </a:rPr>
-              <a:t>물질적 상품 및 개인 </a:t>
-            </a:r>
-            <a:r>
-              <a:rPr lang="ko-KR" altLang="en-US" dirty="0" smtClean="0">
-                <a:solidFill>
-                  <a:schemeClr val="tx1"/>
-                </a:solidFill>
-                <a:latin typeface="1훈하얀고양이 R" pitchFamily="18" charset="-127"/>
-                <a:ea typeface="1훈하얀고양이 R" pitchFamily="18" charset="-127"/>
-              </a:rPr>
-              <a:t>성장</a:t>
-            </a:r>
-            <a:endParaRPr lang="ko-KR" altLang="en-US" dirty="0">
+            <a:pPr algn="ctr"/>
+            <a:r>
+              <a:rPr lang="ko-KR" altLang="en-US" sz="4400" dirty="0" smtClean="0">
+                <a:solidFill>
+                  <a:schemeClr val="tx1"/>
+                </a:solidFill>
+                <a:latin typeface="1훈하얀고양이 R" pitchFamily="18" charset="-127"/>
+                <a:ea typeface="1훈하얀고양이 R" pitchFamily="18" charset="-127"/>
+              </a:rPr>
+              <a:t>목차엔 없는데 사실 </a:t>
+            </a:r>
+            <a:r>
+              <a:rPr lang="ko-KR" altLang="en-US" sz="4400" dirty="0" err="1" smtClean="0">
+                <a:solidFill>
+                  <a:schemeClr val="tx1"/>
+                </a:solidFill>
+                <a:latin typeface="1훈하얀고양이 R" pitchFamily="18" charset="-127"/>
+                <a:ea typeface="1훈하얀고양이 R" pitchFamily="18" charset="-127"/>
+              </a:rPr>
+              <a:t>필요한게</a:t>
+            </a:r>
+            <a:r>
+              <a:rPr lang="ko-KR" altLang="en-US" sz="4400" dirty="0" smtClean="0">
+                <a:solidFill>
+                  <a:schemeClr val="tx1"/>
+                </a:solidFill>
+                <a:latin typeface="1훈하얀고양이 R" pitchFamily="18" charset="-127"/>
+                <a:ea typeface="1훈하얀고양이 R" pitchFamily="18" charset="-127"/>
+              </a:rPr>
+              <a:t> 몇 가지 있음</a:t>
+            </a:r>
+            <a:r>
+              <a:rPr lang="en-US" altLang="ko-KR" sz="4400" dirty="0" smtClean="0">
+                <a:solidFill>
+                  <a:schemeClr val="tx1"/>
+                </a:solidFill>
+                <a:latin typeface="1훈하얀고양이 R" pitchFamily="18" charset="-127"/>
+                <a:ea typeface="1훈하얀고양이 R" pitchFamily="18" charset="-127"/>
+              </a:rPr>
+              <a:t>……</a:t>
+            </a:r>
+            <a:endParaRPr lang="en-US" altLang="ko-KR" sz="4400" dirty="0">
               <a:solidFill>
                 <a:schemeClr val="tx1"/>
               </a:solidFill>
+              <a:latin typeface="1훈하얀고양이 R" pitchFamily="18" charset="-127"/>
+              <a:ea typeface="1훈하얀고양이 R" pitchFamily="18" charset="-127"/>
             </a:endParaRPr>
           </a:p>
         </p:txBody>
       </p:sp>
       <p:sp>
         <p:nvSpPr>
-          <p:cNvPr id="3" name="내용 개체 틀 2"/>
+          <p:cNvPr id="6" name="내용 개체 틀 2"/>
           <p:cNvSpPr>
             <a:spLocks noGrp="1"/>
           </p:cNvSpPr>
@@ -6333,8 +6157,8 @@
         </p:nvSpPr>
         <p:spPr>
           <a:xfrm>
-            <a:off x="755576" y="1628800"/>
-            <a:ext cx="7772400" cy="4789512"/>
+            <a:off x="683568" y="5733256"/>
+            <a:ext cx="7772400" cy="720080"/>
           </a:xfrm>
         </p:spPr>
         <p:txBody>
@@ -6343,70 +6167,298 @@
           </a:bodyPr>
           <a:lstStyle/>
           <a:p>
-            <a:r>
-              <a:rPr lang="ko-KR" altLang="en-US" dirty="0" smtClean="0"/>
-              <a:t>눈사람 전등 받음</a:t>
+            <a:pPr marL="0" indent="0" algn="ctr">
+              <a:buNone/>
+            </a:pPr>
+            <a:r>
+              <a:rPr lang="ko-KR" altLang="en-US" dirty="0" smtClean="0"/>
+              <a:t>아</a:t>
+            </a:r>
+            <a:r>
+              <a:rPr lang="ko-KR" altLang="en-US" dirty="0"/>
+              <a:t>침</a:t>
+            </a:r>
+            <a:r>
+              <a:rPr lang="ko-KR" altLang="en-US" dirty="0" smtClean="0"/>
+              <a:t> </a:t>
+            </a:r>
+            <a:r>
+              <a:rPr lang="en-US" altLang="ko-KR" dirty="0"/>
+              <a:t>7</a:t>
+            </a:r>
+            <a:r>
+              <a:rPr lang="ko-KR" altLang="en-US" dirty="0" smtClean="0"/>
+              <a:t>시 </a:t>
+            </a:r>
+            <a:r>
+              <a:rPr lang="en-US" altLang="ko-KR" dirty="0" smtClean="0"/>
+              <a:t>46</a:t>
+            </a:r>
+            <a:r>
+              <a:rPr lang="ko-KR" altLang="en-US" dirty="0" smtClean="0"/>
+              <a:t>분</a:t>
             </a:r>
             <a:endParaRPr lang="en-US" altLang="ko-KR" dirty="0" smtClean="0"/>
           </a:p>
-          <a:p>
-            <a:endParaRPr lang="en-US" altLang="ko-KR" dirty="0"/>
-          </a:p>
-          <a:p>
-            <a:r>
-              <a:rPr lang="ko-KR" altLang="en-US" dirty="0" err="1" smtClean="0"/>
-              <a:t>후드티도</a:t>
-            </a:r>
-            <a:r>
-              <a:rPr lang="ko-KR" altLang="en-US" dirty="0" smtClean="0"/>
-              <a:t> 받았음</a:t>
-            </a:r>
+        </p:txBody>
+      </p:sp>
+      <p:sp>
+        <p:nvSpPr>
+          <p:cNvPr id="10" name="내용 개체 틀 2"/>
+          <p:cNvSpPr txBox="1">
+            <a:spLocks/>
+          </p:cNvSpPr>
+          <p:nvPr/>
+        </p:nvSpPr>
+        <p:spPr>
+          <a:xfrm>
+            <a:off x="760040" y="1340767"/>
+            <a:ext cx="7772400" cy="898135"/>
+          </a:xfrm>
+          <a:prstGeom prst="rect">
+            <a:avLst/>
+          </a:prstGeom>
+        </p:spPr>
+        <p:txBody>
+          <a:bodyPr vert="horz">
+            <a:normAutofit fontScale="85000" lnSpcReduction="20000"/>
+          </a:bodyPr>
+          <a:lstStyle>
+            <a:lvl1pPr marL="274320" indent="-274320" algn="l" rtl="0" eaLnBrk="1" latinLnBrk="1" hangingPunct="1">
+              <a:spcBef>
+                <a:spcPts val="580"/>
+              </a:spcBef>
+              <a:buClr>
+                <a:schemeClr val="accent1"/>
+              </a:buClr>
+              <a:buSzPct val="85000"/>
+              <a:buFont typeface="Wingdings 2"/>
+              <a:buChar char=""/>
+              <a:defRPr kumimoji="0" sz="2600" kern="1200">
+                <a:solidFill>
+                  <a:schemeClr val="tx1"/>
+                </a:solidFill>
+                <a:latin typeface="+mn-lt"/>
+                <a:ea typeface="+mn-ea"/>
+                <a:cs typeface="+mn-cs"/>
+              </a:defRPr>
+            </a:lvl1pPr>
+            <a:lvl2pPr marL="548640" indent="-228600" algn="l" rtl="0" eaLnBrk="1" latinLnBrk="1" hangingPunct="1">
+              <a:spcBef>
+                <a:spcPts val="370"/>
+              </a:spcBef>
+              <a:buClr>
+                <a:schemeClr val="accent2"/>
+              </a:buClr>
+              <a:buSzPct val="85000"/>
+              <a:buFont typeface="Wingdings 2"/>
+              <a:buChar char=""/>
+              <a:defRPr kumimoji="0" sz="2400" kern="1200">
+                <a:solidFill>
+                  <a:schemeClr val="tx1"/>
+                </a:solidFill>
+                <a:latin typeface="+mn-lt"/>
+                <a:ea typeface="+mn-ea"/>
+                <a:cs typeface="+mn-cs"/>
+              </a:defRPr>
+            </a:lvl2pPr>
+            <a:lvl3pPr marL="822960" indent="-228600" algn="l" rtl="0" eaLnBrk="1" latinLnBrk="1" hangingPunct="1">
+              <a:spcBef>
+                <a:spcPts val="370"/>
+              </a:spcBef>
+              <a:buClr>
+                <a:schemeClr val="accent1">
+                  <a:tint val="60000"/>
+                </a:schemeClr>
+              </a:buClr>
+              <a:buSzPct val="85000"/>
+              <a:buFont typeface="Wingdings 2"/>
+              <a:buChar char=""/>
+              <a:defRPr kumimoji="0" sz="2000" kern="1200">
+                <a:solidFill>
+                  <a:schemeClr val="tx1"/>
+                </a:solidFill>
+                <a:latin typeface="+mn-lt"/>
+                <a:ea typeface="+mn-ea"/>
+                <a:cs typeface="+mn-cs"/>
+              </a:defRPr>
+            </a:lvl3pPr>
+            <a:lvl4pPr marL="1097280" indent="-228600" algn="l" rtl="0" eaLnBrk="1" latinLnBrk="1" hangingPunct="1">
+              <a:spcBef>
+                <a:spcPts val="370"/>
+              </a:spcBef>
+              <a:buClr>
+                <a:schemeClr val="accent3"/>
+              </a:buClr>
+              <a:buSzPct val="80000"/>
+              <a:buFont typeface="Wingdings 2"/>
+              <a:buChar char=""/>
+              <a:defRPr kumimoji="0" sz="2000" kern="1200">
+                <a:solidFill>
+                  <a:schemeClr val="tx1"/>
+                </a:solidFill>
+                <a:latin typeface="+mn-lt"/>
+                <a:ea typeface="+mn-ea"/>
+                <a:cs typeface="+mn-cs"/>
+              </a:defRPr>
+            </a:lvl4pPr>
+            <a:lvl5pPr marL="1371600" indent="-228600" algn="l" rtl="0" eaLnBrk="1" latinLnBrk="1" hangingPunct="1">
+              <a:spcBef>
+                <a:spcPts val="370"/>
+              </a:spcBef>
+              <a:buClr>
+                <a:schemeClr val="accent3"/>
+              </a:buClr>
+              <a:buFontTx/>
+              <a:buChar char="o"/>
+              <a:defRPr kumimoji="0" sz="2000" kern="1200">
+                <a:solidFill>
+                  <a:schemeClr val="tx1"/>
+                </a:solidFill>
+                <a:latin typeface="+mn-lt"/>
+                <a:ea typeface="+mn-ea"/>
+                <a:cs typeface="+mn-cs"/>
+              </a:defRPr>
+            </a:lvl5pPr>
+            <a:lvl6pPr marL="1645920" indent="-228600" algn="l" rtl="0" eaLnBrk="1" latinLnBrk="1" hangingPunct="1">
+              <a:spcBef>
+                <a:spcPts val="370"/>
+              </a:spcBef>
+              <a:buClr>
+                <a:schemeClr val="accent3"/>
+              </a:buClr>
+              <a:buChar char="•"/>
+              <a:defRPr kumimoji="0" sz="1800" kern="1200" baseline="0">
+                <a:solidFill>
+                  <a:schemeClr val="tx1"/>
+                </a:solidFill>
+                <a:latin typeface="+mn-lt"/>
+                <a:ea typeface="+mn-ea"/>
+                <a:cs typeface="+mn-cs"/>
+              </a:defRPr>
+            </a:lvl6pPr>
+            <a:lvl7pPr marL="1920240" indent="-228600" algn="l" rtl="0" eaLnBrk="1" latinLnBrk="1" hangingPunct="1">
+              <a:spcBef>
+                <a:spcPts val="370"/>
+              </a:spcBef>
+              <a:buClr>
+                <a:schemeClr val="accent2"/>
+              </a:buClr>
+              <a:buChar char="•"/>
+              <a:defRPr kumimoji="0" sz="1800" kern="1200">
+                <a:solidFill>
+                  <a:schemeClr val="tx1"/>
+                </a:solidFill>
+                <a:latin typeface="+mn-lt"/>
+                <a:ea typeface="+mn-ea"/>
+                <a:cs typeface="+mn-cs"/>
+              </a:defRPr>
+            </a:lvl7pPr>
+            <a:lvl8pPr marL="2194560" indent="-228600" algn="l" rtl="0" eaLnBrk="1" latinLnBrk="1" hangingPunct="1">
+              <a:spcBef>
+                <a:spcPts val="370"/>
+              </a:spcBef>
+              <a:buClr>
+                <a:schemeClr val="accent1">
+                  <a:tint val="60000"/>
+                </a:schemeClr>
+              </a:buClr>
+              <a:buChar char="•"/>
+              <a:defRPr kumimoji="0" sz="1800" kern="1200">
+                <a:solidFill>
+                  <a:schemeClr val="tx1"/>
+                </a:solidFill>
+                <a:latin typeface="+mn-lt"/>
+                <a:ea typeface="+mn-ea"/>
+                <a:cs typeface="+mn-cs"/>
+              </a:defRPr>
+            </a:lvl8pPr>
+            <a:lvl9pPr marL="2468880" indent="-228600" algn="l" rtl="0" eaLnBrk="1" latinLnBrk="1" hangingPunct="1">
+              <a:spcBef>
+                <a:spcPts val="370"/>
+              </a:spcBef>
+              <a:buClr>
+                <a:schemeClr val="accent2">
+                  <a:tint val="60000"/>
+                </a:schemeClr>
+              </a:buClr>
+              <a:buChar char="•"/>
+              <a:defRPr kumimoji="0" sz="1800" kern="1200">
+                <a:solidFill>
+                  <a:schemeClr val="tx1"/>
+                </a:solidFill>
+                <a:latin typeface="+mn-lt"/>
+                <a:ea typeface="+mn-ea"/>
+                <a:cs typeface="+mn-cs"/>
+              </a:defRPr>
+            </a:lvl9pPr>
+          </a:lstStyle>
+          <a:p>
             <a:endParaRPr lang="en-US" altLang="ko-KR" dirty="0" smtClean="0"/>
           </a:p>
           <a:p>
-            <a:endParaRPr lang="en-US" altLang="ko-KR" dirty="0" smtClean="0"/>
-          </a:p>
-          <a:p>
-            <a:r>
-              <a:rPr lang="ko-KR" altLang="en-US" dirty="0" smtClean="0"/>
-              <a:t>이틀 내내 얻어먹다가 왔음</a:t>
-            </a:r>
-            <a:endParaRPr lang="en-US" altLang="ko-KR" dirty="0" smtClean="0"/>
-          </a:p>
-          <a:p>
-            <a:endParaRPr lang="en-US" altLang="ko-KR" dirty="0"/>
-          </a:p>
-          <a:p>
-            <a:r>
-              <a:rPr lang="ko-KR" altLang="en-US" dirty="0" smtClean="0"/>
-              <a:t>업계 각 분야 분들이랑 바로 옆에서 일하면서 이 것 저 것 많이 보고 배움</a:t>
-            </a:r>
-            <a:endParaRPr lang="en-US" altLang="ko-KR" dirty="0" smtClean="0"/>
-          </a:p>
-          <a:p>
-            <a:endParaRPr lang="en-US" altLang="ko-KR" dirty="0"/>
-          </a:p>
-          <a:p>
-            <a:r>
-              <a:rPr lang="ko-KR" altLang="en-US" dirty="0" err="1" smtClean="0"/>
-              <a:t>동기부여된</a:t>
-            </a:r>
-            <a:r>
-              <a:rPr lang="ko-KR" altLang="en-US" dirty="0" smtClean="0"/>
-              <a:t> 사연</a:t>
-            </a:r>
-            <a:r>
-              <a:rPr lang="en-US" altLang="ko-KR" dirty="0" smtClean="0"/>
-              <a:t>!</a:t>
-            </a:r>
-            <a:endParaRPr lang="en-US" altLang="ko-KR" dirty="0"/>
-          </a:p>
-        </p:txBody>
-      </p:sp>
+            <a:pPr algn="ctr"/>
+            <a:r>
+              <a:rPr lang="ko-KR" altLang="en-US" sz="4000" dirty="0" smtClean="0"/>
+              <a:t>그리고 완성</a:t>
+            </a:r>
+            <a:r>
+              <a:rPr lang="en-US" altLang="ko-KR" sz="4000" dirty="0" smtClean="0"/>
+              <a:t>! </a:t>
+            </a:r>
+            <a:r>
+              <a:rPr lang="ko-KR" altLang="en-US" sz="4000" dirty="0" smtClean="0"/>
+              <a:t>어때요</a:t>
+            </a:r>
+            <a:r>
+              <a:rPr lang="en-US" altLang="ko-KR" sz="4000" dirty="0" smtClean="0"/>
+              <a:t>, </a:t>
+            </a:r>
+            <a:r>
+              <a:rPr lang="ko-KR" altLang="en-US" sz="4000" dirty="0" smtClean="0"/>
+              <a:t>참 쉽죠</a:t>
+            </a:r>
+            <a:r>
+              <a:rPr lang="en-US" altLang="ko-KR" sz="4000" dirty="0" smtClean="0"/>
+              <a:t>~?</a:t>
+            </a:r>
+          </a:p>
+        </p:txBody>
+      </p:sp>
+      <p:pic>
+        <p:nvPicPr>
+          <p:cNvPr id="4" name="그림 3"/>
+          <p:cNvPicPr>
+            <a:picLocks noChangeAspect="1"/>
+          </p:cNvPicPr>
+          <p:nvPr/>
+        </p:nvPicPr>
+        <p:blipFill>
+          <a:blip r:embed="rId2" cstate="print">
+            <a:extLst>
+              <a:ext uri="{28A0092B-C50C-407E-A947-70E740481C1C}">
+                <a14:useLocalDpi xmlns:a14="http://schemas.microsoft.com/office/drawing/2010/main" val="0"/>
+              </a:ext>
+            </a:extLst>
+          </a:blip>
+          <a:stretch>
+            <a:fillRect/>
+          </a:stretch>
+        </p:blipFill>
+        <p:spPr>
+          <a:xfrm>
+            <a:off x="1475656" y="2281372"/>
+            <a:ext cx="6264696" cy="3523892"/>
+          </a:xfrm>
+          <a:prstGeom prst="rect">
+            <a:avLst/>
+          </a:prstGeom>
+        </p:spPr>
+      </p:pic>
     </p:spTree>
     <p:extLst>
       <p:ext uri="{BB962C8B-B14F-4D97-AF65-F5344CB8AC3E}">
-        <p14:creationId xmlns:p14="http://schemas.microsoft.com/office/powerpoint/2010/main" val="1719778902"/>
+        <p14:creationId xmlns:p14="http://schemas.microsoft.com/office/powerpoint/2010/main" val="3175990016"/>
       </p:ext>
     </p:extLst>
   </p:cSld>
@@ -6452,27 +6504,16 @@
         </p:nvSpPr>
         <p:spPr>
           <a:xfrm>
-            <a:off x="755576" y="413792"/>
+            <a:off x="755576" y="274638"/>
             <a:ext cx="7772400" cy="1143000"/>
           </a:xfrm>
         </p:spPr>
         <p:txBody>
           <a:bodyPr>
-            <a:normAutofit fontScale="90000"/>
+            <a:normAutofit/>
           </a:bodyPr>
           <a:lstStyle/>
           <a:p>
-            <a:pPr algn="ctr"/>
-            <a:r>
-              <a:rPr lang="ko-KR" altLang="en-US" dirty="0" err="1">
-                <a:solidFill>
-                  <a:schemeClr val="tx1"/>
-                </a:solidFill>
-                <a:latin typeface="1훈하얀고양이 R" pitchFamily="18" charset="-127"/>
-                <a:ea typeface="1훈하얀고양이 R" pitchFamily="18" charset="-127"/>
-              </a:rPr>
-              <a:t>그런거</a:t>
-            </a:r>
             <a:r>
               <a:rPr lang="ko-KR" altLang="en-US" dirty="0">
                 <a:solidFill>
@@ -6481,17 +6522,7 @@
                 <a:latin typeface="1훈하얀고양이 R" pitchFamily="18" charset="-127"/>
                 <a:ea typeface="1훈하얀고양이 R" pitchFamily="18" charset="-127"/>
               </a:rPr>
-              <a:t> 갈 바에야 집에서 혼자 </a:t>
-            </a:r>
-            <a:r>
-              <a:rPr lang="ko-KR" altLang="en-US" dirty="0" err="1">
-                <a:solidFill>
-                  <a:schemeClr val="tx1"/>
-                </a:solidFill>
-                <a:latin typeface="1훈하얀고양이 R" pitchFamily="18" charset="-127"/>
-                <a:ea typeface="1훈하얀고양이 R" pitchFamily="18" charset="-127"/>
-              </a:rPr>
-              <a:t>공부하는게</a:t>
+              <a:t>그거 하면 뭐라도 주냐</a:t>
             </a:r>
             <a:r>
               <a:rPr lang="en-US" altLang="ko-KR" dirty="0">
@@ -6501,36 +6532,17 @@
                 <a:latin typeface="1훈하얀고양이 R" pitchFamily="18" charset="-127"/>
                 <a:ea typeface="1훈하얀고양이 R" pitchFamily="18" charset="-127"/>
               </a:rPr>
-              <a:t>…? </a:t>
-            </a:r>
-            <a:br>
-              <a:rPr lang="en-US" altLang="ko-KR" dirty="0">
-                <a:solidFill>
-                  <a:schemeClr val="tx1"/>
-                </a:solidFill>
-                <a:latin typeface="1훈하얀고양이 R" pitchFamily="18" charset="-127"/>
-                <a:ea typeface="1훈하얀고양이 R" pitchFamily="18" charset="-127"/>
-              </a:rPr>
-            </a:br>
-            <a:r>
-              <a:rPr lang="en-US" altLang="ko-KR" dirty="0">
-                <a:solidFill>
-                  <a:schemeClr val="tx1"/>
-                </a:solidFill>
-                <a:latin typeface="1훈하얀고양이 R" pitchFamily="18" charset="-127"/>
-                <a:ea typeface="1훈하얀고양이 R" pitchFamily="18" charset="-127"/>
-              </a:rPr>
-              <a:t> </a:t>
-            </a:r>
-            <a:r>
-              <a:rPr lang="en-US" altLang="ko-KR" dirty="0" smtClean="0">
-                <a:solidFill>
-                  <a:schemeClr val="tx1"/>
-                </a:solidFill>
-                <a:latin typeface="1훈하얀고양이 R" pitchFamily="18" charset="-127"/>
-                <a:ea typeface="1훈하얀고양이 R" pitchFamily="18" charset="-127"/>
-              </a:rPr>
-              <a:t>– </a:t>
+              <a:t>? – </a:t>
+            </a:r>
+            <a:r>
+              <a:rPr lang="ko-KR" altLang="en-US" dirty="0">
+                <a:solidFill>
+                  <a:schemeClr val="tx1"/>
+                </a:solidFill>
+                <a:latin typeface="1훈하얀고양이 R" pitchFamily="18" charset="-127"/>
+                <a:ea typeface="1훈하얀고양이 R" pitchFamily="18" charset="-127"/>
+              </a:rPr>
+              <a:t>물질적 상품 및 개인 </a:t>
             </a:r>
             <a:r>
               <a:rPr lang="ko-KR" altLang="en-US" dirty="0" smtClean="0">
@@ -6540,34 +6552,12 @@
                 <a:latin typeface="1훈하얀고양이 R" pitchFamily="18" charset="-127"/>
                 <a:ea typeface="1훈하얀고양이 R" pitchFamily="18" charset="-127"/>
               </a:rPr>
-              <a:t>장</a:t>
-            </a:r>
-            <a:r>
-              <a:rPr lang="en-US" altLang="ko-KR" dirty="0" smtClean="0">
-                <a:solidFill>
-                  <a:schemeClr val="tx1"/>
-                </a:solidFill>
-                <a:latin typeface="1훈하얀고양이 R" pitchFamily="18" charset="-127"/>
-                <a:ea typeface="1훈하얀고양이 R" pitchFamily="18" charset="-127"/>
-              </a:rPr>
-              <a:t>, </a:t>
-            </a:r>
-            <a:r>
-              <a:rPr lang="ko-KR" altLang="en-US" dirty="0" smtClean="0">
-                <a:solidFill>
-                  <a:schemeClr val="tx1"/>
-                </a:solidFill>
-                <a:latin typeface="1훈하얀고양이 R" pitchFamily="18" charset="-127"/>
-                <a:ea typeface="1훈하얀고양이 R" pitchFamily="18" charset="-127"/>
-              </a:rPr>
-              <a:t>단점</a:t>
-            </a:r>
-            <a:endParaRPr lang="en-US" altLang="ko-KR" dirty="0">
+              <a:t>성장</a:t>
+            </a:r>
+            <a:endParaRPr lang="ko-KR" altLang="en-US" dirty="0">
               <a:solidFill>
                 <a:schemeClr val="tx1"/>
               </a:solidFill>
-              <a:latin typeface="1훈하얀고양이 R" pitchFamily="18" charset="-127"/>
-              <a:ea typeface="1훈하얀고양이 R" pitchFamily="18" charset="-127"/>
             </a:endParaRPr>
           </a:p>
         </p:txBody>
@@ -6584,159 +6574,72 @@
         </p:nvSpPr>
         <p:spPr>
           <a:xfrm>
-            <a:off x="755576" y="1412776"/>
-            <a:ext cx="7772400" cy="4968552"/>
+            <a:off x="755576" y="1628800"/>
+            <a:ext cx="7772400" cy="4789512"/>
           </a:xfrm>
         </p:spPr>
         <p:txBody>
           <a:bodyPr>
-            <a:normAutofit lnSpcReduction="10000"/>
+            <a:normAutofit/>
           </a:bodyPr>
           <a:lstStyle/>
           <a:p>
-            <a:pPr marL="0" indent="0">
-              <a:buNone/>
-            </a:pPr>
-            <a:r>
-              <a:rPr lang="ko-KR" altLang="en-US" dirty="0" smtClean="0"/>
-              <a:t>장</a:t>
-            </a:r>
-            <a:r>
-              <a:rPr lang="ko-KR" altLang="en-US" dirty="0"/>
-              <a:t>점</a:t>
-            </a:r>
+            <a:r>
+              <a:rPr lang="ko-KR" altLang="en-US" dirty="0" smtClean="0"/>
+              <a:t>눈사람 전등 받음</a:t>
+            </a:r>
+            <a:endParaRPr lang="en-US" altLang="ko-KR" dirty="0" smtClean="0"/>
+          </a:p>
+          <a:p>
             <a:endParaRPr lang="en-US" altLang="ko-KR" dirty="0"/>
           </a:p>
           <a:p>
             <a:r>
-              <a:rPr lang="ko-KR" altLang="en-US" dirty="0" smtClean="0"/>
-              <a:t>협업</a:t>
+              <a:rPr lang="ko-KR" altLang="en-US" dirty="0" err="1" smtClean="0"/>
+              <a:t>후드티도</a:t>
+            </a:r>
+            <a:r>
+              <a:rPr lang="ko-KR" altLang="en-US" dirty="0" smtClean="0"/>
+              <a:t> 받았음</a:t>
             </a:r>
             <a:endParaRPr lang="en-US" altLang="ko-KR" dirty="0" smtClean="0"/>
           </a:p>
           <a:p>
-            <a:r>
-              <a:rPr lang="ko-KR" altLang="en-US" dirty="0" smtClean="0"/>
-              <a:t>경험</a:t>
-            </a:r>
             <a:endParaRPr lang="en-US" altLang="ko-KR" dirty="0" smtClean="0"/>
           </a:p>
           <a:p>
             <a:r>
               <a:rPr lang="ko-KR" altLang="en-US" dirty="0" smtClean="0"/>
-              <a:t>키워드 </a:t>
+              <a:t>이틀 내내 얻어먹다가 왔음</a:t>
+            </a:r>
+            <a:endParaRPr lang="en-US" altLang="ko-KR" dirty="0" smtClean="0"/>
+          </a:p>
+          <a:p>
+            <a:endParaRPr lang="en-US" altLang="ko-KR" dirty="0"/>
+          </a:p>
+          <a:p>
+            <a:r>
+              <a:rPr lang="ko-KR" altLang="en-US" dirty="0" smtClean="0"/>
+              <a:t>업계 각 분야 분들이랑 바로 옆에서 일하면서 이 것 저 것 많이 보고 배움</a:t>
+            </a:r>
+            <a:endParaRPr lang="en-US" altLang="ko-KR" dirty="0" smtClean="0"/>
+          </a:p>
+          <a:p>
+            <a:endParaRPr lang="en-US" altLang="ko-KR" dirty="0"/>
+          </a:p>
+          <a:p>
+            <a:r>
+              <a:rPr lang="ko-KR" altLang="en-US" dirty="0" err="1" smtClean="0"/>
+              <a:t>동기부여된</a:t>
+            </a:r>
+            <a:r>
+              <a:rPr lang="ko-KR" altLang="en-US" dirty="0" smtClean="0"/>
+              <a:t> 사연</a:t>
             </a:r>
             <a:r>
               <a:rPr lang="en-US" altLang="ko-KR" dirty="0" smtClean="0"/>
-              <a:t>( = </a:t>
-            </a:r>
-            <a:r>
-              <a:rPr lang="ko-KR" altLang="en-US" dirty="0" smtClean="0"/>
-              <a:t>선택의 폭이 넓어짐</a:t>
-            </a:r>
-            <a:r>
-              <a:rPr lang="en-US" altLang="ko-KR" dirty="0" smtClean="0"/>
-              <a:t>)</a:t>
-            </a:r>
-          </a:p>
-          <a:p>
-            <a:r>
-              <a:rPr lang="ko-KR" altLang="en-US" dirty="0" smtClean="0"/>
-              <a:t>네트워킹 및 </a:t>
-            </a:r>
-            <a:r>
-              <a:rPr lang="ko-KR" altLang="en-US" dirty="0" err="1" smtClean="0"/>
-              <a:t>트렌드</a:t>
-            </a:r>
-            <a:endParaRPr lang="en-US" altLang="ko-KR" dirty="0" smtClean="0"/>
-          </a:p>
-          <a:p>
-            <a:r>
-              <a:rPr lang="ko-KR" altLang="en-US" dirty="0" err="1" smtClean="0"/>
-              <a:t>공짜</a:t>
-            </a:r>
-            <a:r>
-              <a:rPr lang="ko-KR" altLang="en-US" dirty="0" err="1"/>
-              <a:t>밥</a:t>
-            </a:r>
-            <a:endParaRPr lang="en-US" altLang="ko-KR" dirty="0" smtClean="0"/>
-          </a:p>
-          <a:p>
-            <a:pPr marL="0" indent="0">
-              <a:buNone/>
-            </a:pPr>
-            <a:endParaRPr lang="en-US" altLang="ko-KR" dirty="0"/>
-          </a:p>
-          <a:p>
-            <a:pPr marL="0" indent="0">
-              <a:buNone/>
-            </a:pPr>
-            <a:r>
-              <a:rPr lang="ko-KR" altLang="en-US" dirty="0" smtClean="0"/>
-              <a:t>단점</a:t>
-            </a:r>
-            <a:endParaRPr lang="en-US" altLang="ko-KR" dirty="0" smtClean="0"/>
-          </a:p>
-          <a:p>
-            <a:r>
-              <a:rPr lang="ko-KR" altLang="en-US" dirty="0" smtClean="0"/>
-              <a:t>잠도 안 자고 먹기만 </a:t>
-            </a:r>
-            <a:r>
-              <a:rPr lang="ko-KR" altLang="en-US" dirty="0" err="1" smtClean="0"/>
-              <a:t>하다보니</a:t>
-            </a:r>
-            <a:r>
-              <a:rPr lang="ko-KR" altLang="en-US" dirty="0" smtClean="0"/>
-              <a:t> 살이</a:t>
-            </a:r>
-            <a:r>
-              <a:rPr lang="en-US" altLang="ko-KR" dirty="0" smtClean="0"/>
-              <a:t>……</a:t>
-            </a:r>
-            <a:r>
-              <a:rPr lang="ko-KR" altLang="en-US" dirty="0" smtClean="0"/>
-              <a:t> </a:t>
-            </a:r>
-            <a:endParaRPr lang="en-US" altLang="ko-KR" dirty="0" smtClean="0"/>
-          </a:p>
-          <a:p>
-            <a:r>
-              <a:rPr lang="ko-KR" altLang="en-US" dirty="0" err="1" smtClean="0"/>
-              <a:t>황금같은</a:t>
-            </a:r>
-            <a:r>
-              <a:rPr lang="ko-KR" altLang="en-US" dirty="0" smtClean="0"/>
-              <a:t> 주말 </a:t>
-            </a:r>
-            <a:r>
-              <a:rPr lang="ko-KR" altLang="en-US" dirty="0" err="1" smtClean="0"/>
-              <a:t>ㅂㅂ</a:t>
-            </a:r>
-            <a:endParaRPr lang="en-US" altLang="ko-KR" dirty="0"/>
-          </a:p>
-          <a:p>
-            <a:r>
-              <a:rPr lang="ko-KR" altLang="en-US" dirty="0" smtClean="0"/>
-              <a:t>넓이에만 </a:t>
-            </a:r>
-            <a:r>
-              <a:rPr lang="ko-KR" altLang="en-US" dirty="0" err="1" smtClean="0"/>
-              <a:t>투자하다보면</a:t>
-            </a:r>
-            <a:r>
-              <a:rPr lang="ko-KR" altLang="en-US" dirty="0" smtClean="0"/>
-              <a:t> 깊이가</a:t>
-            </a:r>
-            <a:r>
-              <a:rPr lang="en-US" altLang="ko-KR" dirty="0" smtClean="0"/>
-              <a:t>……</a:t>
-            </a:r>
-          </a:p>
-          <a:p>
-            <a:pPr marL="0" indent="0">
-              <a:buNone/>
-            </a:pPr>
+              <a:t>!</a:t>
+            </a:r>
             <a:endParaRPr lang="en-US" altLang="ko-KR" dirty="0"/>
           </a:p>
         </p:txBody>
@@ -6744,7 +6647,7 @@
     </p:spTree>
     <p:extLst>
       <p:ext uri="{BB962C8B-B14F-4D97-AF65-F5344CB8AC3E}">
-        <p14:creationId xmlns:p14="http://schemas.microsoft.com/office/powerpoint/2010/main" val="2958035783"/>
+        <p14:creationId xmlns:p14="http://schemas.microsoft.com/office/powerpoint/2010/main" val="1719778902"/>
       </p:ext>
     </p:extLst>
   </p:cSld>
@@ -6791,7 +6694,7 @@
         <p:spPr>
           <a:xfrm>
             <a:off x="755576" y="413792"/>
-            <a:ext cx="7772400" cy="854968"/>
+            <a:ext cx="7772400" cy="1143000"/>
           </a:xfrm>
         </p:spPr>
         <p:txBody>
@@ -6802,6 +6705,16 @@
           <a:p>
             <a:pPr algn="ctr"/>
             <a:r>
+              <a:rPr lang="ko-KR" altLang="en-US" dirty="0" err="1">
+                <a:solidFill>
+                  <a:schemeClr val="tx1"/>
+                </a:solidFill>
+                <a:latin typeface="1훈하얀고양이 R" pitchFamily="18" charset="-127"/>
+                <a:ea typeface="1훈하얀고양이 R" pitchFamily="18" charset="-127"/>
+              </a:rPr>
+              <a:t>그런거</a:t>
+            </a:r>
+            <a:r>
               <a:rPr lang="ko-KR" altLang="en-US" dirty="0">
                 <a:solidFill>
                   <a:schemeClr val="tx1"/>
@@ -6809,7 +6722,17 @@
                 <a:latin typeface="1훈하얀고양이 R" pitchFamily="18" charset="-127"/>
                 <a:ea typeface="1훈하얀고양이 R" pitchFamily="18" charset="-127"/>
               </a:rPr>
-              <a:t>그래서 뭐 만들었는데</a:t>
+              <a:t> 갈 바에야 집에서 혼자 </a:t>
+            </a:r>
+            <a:r>
+              <a:rPr lang="ko-KR" altLang="en-US" dirty="0" err="1">
+                <a:solidFill>
+                  <a:schemeClr val="tx1"/>
+                </a:solidFill>
+                <a:latin typeface="1훈하얀고양이 R" pitchFamily="18" charset="-127"/>
+                <a:ea typeface="1훈하얀고양이 R" pitchFamily="18" charset="-127"/>
+              </a:rPr>
+              <a:t>공부하는게</a:t>
             </a:r>
             <a:r>
               <a:rPr lang="en-US" altLang="ko-KR" dirty="0">
@@ -6819,19 +6742,9 @@
                 <a:latin typeface="1훈하얀고양이 R" pitchFamily="18" charset="-127"/>
                 <a:ea typeface="1훈하얀고양이 R" pitchFamily="18" charset="-127"/>
               </a:rPr>
-              <a:t>? – </a:t>
-            </a:r>
-            <a:r>
-              <a:rPr lang="ko-KR" altLang="en-US" dirty="0">
-                <a:solidFill>
-                  <a:schemeClr val="tx1"/>
-                </a:solidFill>
-                <a:latin typeface="1훈하얀고양이 R" pitchFamily="18" charset="-127"/>
-                <a:ea typeface="1훈하얀고양이 R" pitchFamily="18" charset="-127"/>
-              </a:rPr>
-              <a:t>자투리 파이어 </a:t>
-            </a:r>
-            <a:r>
+              <a:t>…? </a:t>
+            </a:r>
+            <a:br>
               <a:rPr lang="en-US" altLang="ko-KR" dirty="0">
                 <a:solidFill>
                   <a:schemeClr val="tx1"/>
@@ -6839,18 +6752,7 @@
                 <a:latin typeface="1훈하얀고양이 R" pitchFamily="18" charset="-127"/>
                 <a:ea typeface="1훈하얀고양이 R" pitchFamily="18" charset="-127"/>
               </a:rPr>
-              <a:t>(</a:t>
-            </a:r>
-            <a:r>
-              <a:rPr lang="en-US" altLang="ko-KR" dirty="0" err="1">
-                <a:solidFill>
-                  <a:schemeClr val="tx1"/>
-                </a:solidFill>
-                <a:latin typeface="1훈하얀고양이 R" pitchFamily="18" charset="-127"/>
-                <a:ea typeface="1훈하얀고양이 R" pitchFamily="18" charset="-127"/>
-              </a:rPr>
-              <a:t>Zaturi</a:t>
-            </a:r>
+            </a:br>
             <a:r>
               <a:rPr lang="en-US" altLang="ko-KR" dirty="0">
                 <a:solidFill>
@@ -6859,8 +6761,55 @@
                 <a:latin typeface="1훈하얀고양이 R" pitchFamily="18" charset="-127"/>
                 <a:ea typeface="1훈하얀고양이 R" pitchFamily="18" charset="-127"/>
               </a:rPr>
-              <a:t> Fire)</a:t>
-            </a:r>
+              <a:t> </a:t>
+            </a:r>
+            <a:r>
+              <a:rPr lang="en-US" altLang="ko-KR" dirty="0" smtClean="0">
+                <a:solidFill>
+                  <a:schemeClr val="tx1"/>
+                </a:solidFill>
+                <a:latin typeface="1훈하얀고양이 R" pitchFamily="18" charset="-127"/>
+                <a:ea typeface="1훈하얀고양이 R" pitchFamily="18" charset="-127"/>
+              </a:rPr>
+              <a:t>– </a:t>
+            </a:r>
+            <a:r>
+              <a:rPr lang="ko-KR" altLang="en-US" dirty="0" smtClean="0">
+                <a:solidFill>
+                  <a:schemeClr val="tx1"/>
+                </a:solidFill>
+                <a:latin typeface="1훈하얀고양이 R" pitchFamily="18" charset="-127"/>
+                <a:ea typeface="1훈하얀고양이 R" pitchFamily="18" charset="-127"/>
+              </a:rPr>
+              <a:t>장</a:t>
+            </a:r>
+            <a:r>
+              <a:rPr lang="en-US" altLang="ko-KR" dirty="0" smtClean="0">
+                <a:solidFill>
+                  <a:schemeClr val="tx1"/>
+                </a:solidFill>
+                <a:latin typeface="1훈하얀고양이 R" pitchFamily="18" charset="-127"/>
+                <a:ea typeface="1훈하얀고양이 R" pitchFamily="18" charset="-127"/>
+              </a:rPr>
+              <a:t>, </a:t>
+            </a:r>
+            <a:r>
+              <a:rPr lang="ko-KR" altLang="en-US" dirty="0" smtClean="0">
+                <a:solidFill>
+                  <a:schemeClr val="tx1"/>
+                </a:solidFill>
+                <a:latin typeface="1훈하얀고양이 R" pitchFamily="18" charset="-127"/>
+                <a:ea typeface="1훈하얀고양이 R" pitchFamily="18" charset="-127"/>
+              </a:rPr>
+              <a:t>단점</a:t>
+            </a:r>
+            <a:endParaRPr lang="en-US" altLang="ko-KR" dirty="0">
+              <a:solidFill>
+                <a:schemeClr val="tx1"/>
+              </a:solidFill>
+              <a:latin typeface="1훈하얀고양이 R" pitchFamily="18" charset="-127"/>
+              <a:ea typeface="1훈하얀고양이 R" pitchFamily="18" charset="-127"/>
+            </a:endParaRPr>
           </a:p>
         </p:txBody>
       </p:sp>
@@ -6876,46 +6825,167 @@
         </p:nvSpPr>
         <p:spPr>
           <a:xfrm>
-            <a:off x="755576" y="1988840"/>
-            <a:ext cx="7772400" cy="4392488"/>
+            <a:off x="755576" y="1412776"/>
+            <a:ext cx="7772400" cy="4968552"/>
           </a:xfrm>
         </p:spPr>
         <p:txBody>
           <a:bodyPr>
-            <a:normAutofit/>
+            <a:normAutofit lnSpcReduction="10000"/>
           </a:bodyPr>
           <a:lstStyle/>
           <a:p>
             <a:pPr marL="0" indent="0">
               <a:buNone/>
             </a:pPr>
+            <a:r>
+              <a:rPr lang="ko-KR" altLang="en-US" dirty="0" smtClean="0"/>
+              <a:t>장</a:t>
+            </a:r>
+            <a:r>
+              <a:rPr lang="ko-KR" altLang="en-US" dirty="0"/>
+              <a:t>점</a:t>
+            </a:r>
+            <a:endParaRPr lang="en-US" altLang="ko-KR" dirty="0"/>
+          </a:p>
+          <a:p>
+            <a:r>
+              <a:rPr lang="ko-KR" altLang="en-US" dirty="0" smtClean="0"/>
+              <a:t>협업</a:t>
+            </a:r>
             <a:endParaRPr lang="en-US" altLang="ko-KR" dirty="0" smtClean="0"/>
           </a:p>
           <a:p>
             <a:r>
               <a:rPr lang="ko-KR" altLang="en-US" dirty="0" smtClean="0"/>
-              <a:t>백문이 </a:t>
+              <a:t>경험</a:t>
+            </a:r>
+            <a:endParaRPr lang="en-US" altLang="ko-KR" dirty="0" smtClean="0"/>
+          </a:p>
+          <a:p>
+            <a:r>
+              <a:rPr lang="ko-KR" altLang="en-US" dirty="0" smtClean="0"/>
+              <a:t>키워드 </a:t>
+            </a:r>
+            <a:r>
+              <a:rPr lang="en-US" altLang="ko-KR" dirty="0" smtClean="0"/>
+              <a:t>( = </a:t>
+            </a:r>
+            <a:r>
+              <a:rPr lang="ko-KR" altLang="en-US" dirty="0" smtClean="0"/>
+              <a:t>선택의 폭이 넓어짐</a:t>
+            </a:r>
+            <a:r>
+              <a:rPr lang="en-US" altLang="ko-KR" dirty="0" smtClean="0"/>
+              <a:t>)</a:t>
+            </a:r>
+          </a:p>
+          <a:p>
+            <a:r>
+              <a:rPr lang="ko-KR" altLang="en-US" dirty="0" smtClean="0"/>
+              <a:t>네트워킹 및 </a:t>
             </a:r>
             <a:r>
               <a:rPr lang="ko-KR" altLang="en-US" dirty="0" err="1" smtClean="0"/>
-              <a:t>불여일견</a:t>
-            </a:r>
-            <a:r>
-              <a:rPr lang="ko-KR" altLang="en-US" dirty="0" smtClean="0"/>
-              <a:t> 이건 그냥 보여드림</a:t>
-            </a:r>
-            <a:r>
-              <a:rPr lang="en-US" altLang="ko-KR" dirty="0"/>
-              <a:t>.</a:t>
+              <a:t>트렌드</a:t>
             </a:r>
             <a:endParaRPr lang="en-US" altLang="ko-KR" dirty="0" smtClean="0"/>
+          </a:p>
+          <a:p>
+            <a:r>
+              <a:rPr lang="ko-KR" altLang="en-US" dirty="0" err="1" smtClean="0"/>
+              <a:t>공짜</a:t>
+            </a:r>
+            <a:r>
+              <a:rPr lang="ko-KR" altLang="en-US" dirty="0" err="1"/>
+              <a:t>밥</a:t>
+            </a:r>
+            <a:endParaRPr lang="en-US" altLang="ko-KR" dirty="0" smtClean="0"/>
+          </a:p>
+          <a:p>
+            <a:pPr marL="0" indent="0">
+              <a:buNone/>
+            </a:pPr>
+            <a:endParaRPr lang="en-US" altLang="ko-KR" dirty="0"/>
+          </a:p>
+          <a:p>
+            <a:pPr marL="0" indent="0">
+              <a:buNone/>
+            </a:pPr>
+            <a:r>
+              <a:rPr lang="ko-KR" altLang="en-US" dirty="0" smtClean="0"/>
+              <a:t>단점</a:t>
+            </a:r>
+            <a:endParaRPr lang="en-US" altLang="ko-KR" dirty="0" smtClean="0"/>
+          </a:p>
+          <a:p>
+            <a:r>
+              <a:rPr lang="ko-KR" altLang="en-US" dirty="0" smtClean="0"/>
+              <a:t>잠도 안 자고 먹기만 </a:t>
+            </a:r>
+            <a:r>
+              <a:rPr lang="ko-KR" altLang="en-US" dirty="0" err="1" smtClean="0"/>
+              <a:t>하다보니</a:t>
+            </a:r>
+            <a:r>
+              <a:rPr lang="ko-KR" altLang="en-US" dirty="0" smtClean="0"/>
+              <a:t> 살이</a:t>
+            </a:r>
+            <a:r>
+              <a:rPr lang="en-US" altLang="ko-KR" dirty="0" smtClean="0"/>
+              <a:t>……</a:t>
+            </a:r>
+            <a:r>
+              <a:rPr lang="ko-KR" altLang="en-US" dirty="0" smtClean="0"/>
+              <a:t> </a:t>
+            </a:r>
+            <a:endParaRPr lang="en-US" altLang="ko-KR" dirty="0" smtClean="0"/>
+          </a:p>
+          <a:p>
+            <a:r>
+              <a:rPr lang="ko-KR" altLang="en-US" dirty="0" err="1" smtClean="0"/>
+              <a:t>황금같은</a:t>
+            </a:r>
+            <a:r>
+              <a:rPr lang="ko-KR" altLang="en-US" dirty="0" smtClean="0"/>
+              <a:t> 주말 </a:t>
+            </a:r>
+            <a:r>
+              <a:rPr lang="ko-KR" altLang="en-US" dirty="0" err="1" smtClean="0"/>
+              <a:t>ㅂㅂ</a:t>
+            </a:r>
+            <a:endParaRPr lang="en-US" altLang="ko-KR" dirty="0"/>
+          </a:p>
+          <a:p>
+            <a:r>
+              <a:rPr lang="ko-KR" altLang="en-US" dirty="0" smtClean="0"/>
+              <a:t>넓이에만 </a:t>
+            </a:r>
+            <a:r>
+              <a:rPr lang="ko-KR" altLang="en-US" dirty="0" err="1" smtClean="0"/>
+              <a:t>투자하다보면</a:t>
+            </a:r>
+            <a:r>
+              <a:rPr lang="ko-KR" altLang="en-US" dirty="0" smtClean="0"/>
+              <a:t> 깊이가</a:t>
+            </a:r>
+            <a:r>
+              <a:rPr lang="en-US" altLang="ko-KR" dirty="0" smtClean="0"/>
+              <a:t>……</a:t>
+            </a:r>
+          </a:p>
+          <a:p>
+            <a:pPr marL="0" indent="0">
+              <a:buNone/>
+            </a:pPr>
+            <a:endParaRPr lang="en-US" altLang="ko-KR" dirty="0"/>
           </a:p>
         </p:txBody>
       </p:sp>
     </p:spTree>
     <p:extLst>
       <p:ext uri="{BB962C8B-B14F-4D97-AF65-F5344CB8AC3E}">
-        <p14:creationId xmlns:p14="http://schemas.microsoft.com/office/powerpoint/2010/main" val="1786347880"/>
+        <p14:creationId xmlns:p14="http://schemas.microsoft.com/office/powerpoint/2010/main" val="2958035783"/>
       </p:ext>
     </p:extLst>
   </p:cSld>
@@ -6961,54 +7031,77 @@
         </p:nvSpPr>
         <p:spPr>
           <a:xfrm>
-            <a:off x="755576" y="557808"/>
+            <a:off x="755576" y="413792"/>
             <a:ext cx="7772400" cy="854968"/>
           </a:xfrm>
         </p:spPr>
         <p:txBody>
           <a:bodyPr>
-            <a:noAutofit/>
+            <a:normAutofit fontScale="90000"/>
           </a:bodyPr>
           <a:lstStyle/>
           <a:p>
             <a:pPr algn="ctr"/>
             <a:r>
-              <a:rPr lang="ko-KR" altLang="en-US" sz="4800" dirty="0">
-                <a:solidFill>
-                  <a:schemeClr val="tx1"/>
-                </a:solidFill>
-                <a:latin typeface="1훈하얀고양이 R" pitchFamily="18" charset="-127"/>
-                <a:ea typeface="1훈하얀고양이 R" pitchFamily="18" charset="-127"/>
-              </a:rPr>
-              <a:t>그래서 무슨 말이 하고 싶은데</a:t>
-            </a:r>
-            <a:r>
-              <a:rPr lang="en-US" altLang="ko-KR" sz="4800" dirty="0">
-                <a:solidFill>
-                  <a:schemeClr val="tx1"/>
-                </a:solidFill>
-                <a:latin typeface="1훈하얀고양이 R" pitchFamily="18" charset="-127"/>
-                <a:ea typeface="1훈하얀고양이 R" pitchFamily="18" charset="-127"/>
-              </a:rPr>
-              <a:t>? - </a:t>
-            </a:r>
-            <a:r>
-              <a:rPr lang="ko-KR" altLang="en-US" sz="4800" dirty="0">
-                <a:solidFill>
-                  <a:schemeClr val="tx1"/>
-                </a:solidFill>
-                <a:latin typeface="1훈하얀고양이 R" pitchFamily="18" charset="-127"/>
-                <a:ea typeface="1훈하얀고양이 R" pitchFamily="18" charset="-127"/>
-              </a:rPr>
-              <a:t>정리</a:t>
-            </a:r>
-            <a:endParaRPr lang="ko-KR" altLang="en-US" sz="4800" dirty="0">
-              <a:solidFill>
-                <a:schemeClr val="tx1"/>
-              </a:solidFill>
-              <a:latin typeface="1훈하얀고양이 R" pitchFamily="18" charset="-127"/>
-              <a:ea typeface="1훈하얀고양이 R" pitchFamily="18" charset="-127"/>
-            </a:endParaRPr>
+              <a:rPr lang="ko-KR" altLang="en-US" dirty="0">
+                <a:solidFill>
+                  <a:schemeClr val="tx1"/>
+                </a:solidFill>
+                <a:latin typeface="1훈하얀고양이 R" pitchFamily="18" charset="-127"/>
+                <a:ea typeface="1훈하얀고양이 R" pitchFamily="18" charset="-127"/>
+              </a:rPr>
+              <a:t>그래서 뭐 만들었는데</a:t>
+            </a:r>
+            <a:r>
+              <a:rPr lang="en-US" altLang="ko-KR" dirty="0">
+                <a:solidFill>
+                  <a:schemeClr val="tx1"/>
+                </a:solidFill>
+                <a:latin typeface="1훈하얀고양이 R" pitchFamily="18" charset="-127"/>
+                <a:ea typeface="1훈하얀고양이 R" pitchFamily="18" charset="-127"/>
+              </a:rPr>
+              <a:t>? – </a:t>
+            </a:r>
+            <a:r>
+              <a:rPr lang="ko-KR" altLang="en-US" dirty="0">
+                <a:solidFill>
+                  <a:schemeClr val="tx1"/>
+                </a:solidFill>
+                <a:latin typeface="1훈하얀고양이 R" pitchFamily="18" charset="-127"/>
+                <a:ea typeface="1훈하얀고양이 R" pitchFamily="18" charset="-127"/>
+              </a:rPr>
+              <a:t>자투리 파이어 </a:t>
+            </a:r>
+            <a:r>
+              <a:rPr lang="en-US" altLang="ko-KR" dirty="0">
+                <a:solidFill>
+                  <a:schemeClr val="tx1"/>
+                </a:solidFill>
+                <a:latin typeface="1훈하얀고양이 R" pitchFamily="18" charset="-127"/>
+                <a:ea typeface="1훈하얀고양이 R" pitchFamily="18" charset="-127"/>
+              </a:rPr>
+              <a:t>(</a:t>
+            </a:r>
+            <a:r>
+              <a:rPr lang="en-US" altLang="ko-KR" dirty="0" err="1">
+                <a:solidFill>
+                  <a:schemeClr val="tx1"/>
+                </a:solidFill>
+                <a:latin typeface="1훈하얀고양이 R" pitchFamily="18" charset="-127"/>
+                <a:ea typeface="1훈하얀고양이 R" pitchFamily="18" charset="-127"/>
+              </a:rPr>
+              <a:t>Zaturi</a:t>
+            </a:r>
+            <a:r>
+              <a:rPr lang="en-US" altLang="ko-KR" dirty="0">
+                <a:solidFill>
+                  <a:schemeClr val="tx1"/>
+                </a:solidFill>
+                <a:latin typeface="1훈하얀고양이 R" pitchFamily="18" charset="-127"/>
+                <a:ea typeface="1훈하얀고양이 R" pitchFamily="18" charset="-127"/>
+              </a:rPr>
+              <a:t> Fire)</a:t>
+            </a:r>
           </a:p>
         </p:txBody>
       </p:sp>
@@ -7034,89 +7127,28 @@
           </a:bodyPr>
           <a:lstStyle/>
           <a:p>
-            <a:r>
-              <a:rPr lang="ko-KR" altLang="en-US" dirty="0" smtClean="0"/>
-              <a:t>뭘 할지 모르겠다면 눈치만 볼 게 아니라</a:t>
-            </a:r>
-            <a:r>
-              <a:rPr lang="en-US" altLang="ko-KR" dirty="0" smtClean="0"/>
-              <a:t>,</a:t>
-            </a:r>
-            <a:r>
-              <a:rPr lang="ko-KR" altLang="en-US" dirty="0" smtClean="0"/>
-              <a:t> 뭐라도 한 번 </a:t>
+            <a:pPr marL="0" indent="0">
+              <a:buNone/>
+            </a:pPr>
+            <a:endParaRPr lang="en-US" altLang="ko-KR" dirty="0" smtClean="0"/>
+          </a:p>
+          <a:p>
+            <a:r>
+              <a:rPr lang="ko-KR" altLang="en-US" dirty="0" smtClean="0"/>
+              <a:t>백문이 </a:t>
             </a:r>
             <a:r>
               <a:rPr lang="ko-KR" altLang="en-US" dirty="0" err="1" smtClean="0"/>
-              <a:t>부딫혀보는</a:t>
-            </a:r>
-            <a:r>
-              <a:rPr lang="ko-KR" altLang="en-US" dirty="0" smtClean="0"/>
-              <a:t> 것도 방법이라고 생각함</a:t>
-            </a:r>
-            <a:r>
-              <a:rPr lang="en-US" altLang="ko-KR" dirty="0" smtClean="0"/>
+              <a:t>불여일견</a:t>
+            </a:r>
+            <a:r>
+              <a:rPr lang="ko-KR" altLang="en-US" dirty="0" smtClean="0"/>
+              <a:t> 이건 그냥 보여드림</a:t>
+            </a:r>
+            <a:r>
+              <a:rPr lang="en-US" altLang="ko-KR" dirty="0"/>
               <a:t>.</a:t>
             </a:r>
-          </a:p>
-          <a:p>
-            <a:endParaRPr lang="en-US" altLang="ko-KR" dirty="0"/>
-          </a:p>
-          <a:p>
-            <a:r>
-              <a:rPr lang="ko-KR" altLang="en-US" dirty="0" smtClean="0"/>
-              <a:t>판단도 판단 기준이 있어야 하는 것인데</a:t>
-            </a:r>
-            <a:r>
-              <a:rPr lang="en-US" altLang="ko-KR" dirty="0" smtClean="0"/>
-              <a:t>, </a:t>
-            </a:r>
-            <a:r>
-              <a:rPr lang="ko-KR" altLang="en-US" dirty="0" smtClean="0"/>
-              <a:t>가만히 있어서는 결국 아무 결정도 못 내림</a:t>
-            </a:r>
-            <a:r>
-              <a:rPr lang="en-US" altLang="ko-KR" dirty="0" smtClean="0"/>
-              <a:t>.</a:t>
-            </a:r>
-          </a:p>
-          <a:p>
-            <a:endParaRPr lang="en-US" altLang="ko-KR" dirty="0"/>
-          </a:p>
-          <a:p>
-            <a:r>
-              <a:rPr lang="ko-KR" altLang="en-US" dirty="0" smtClean="0"/>
-              <a:t>혹시 이런 거에 </a:t>
-            </a:r>
-            <a:r>
-              <a:rPr lang="ko-KR" altLang="en-US" dirty="0" err="1" smtClean="0"/>
-              <a:t>관심있거나</a:t>
-            </a:r>
-            <a:r>
-              <a:rPr lang="en-US" altLang="ko-KR" dirty="0" smtClean="0"/>
-              <a:t>, </a:t>
-            </a:r>
-            <a:r>
-              <a:rPr lang="ko-KR" altLang="en-US" dirty="0" err="1" smtClean="0"/>
-              <a:t>궁금한거</a:t>
-            </a:r>
-            <a:r>
-              <a:rPr lang="ko-KR" altLang="en-US" dirty="0" smtClean="0"/>
-              <a:t> 있으면 언제든 연락 </a:t>
-            </a:r>
-            <a:r>
-              <a:rPr lang="ko-KR" altLang="en-US" dirty="0" err="1" smtClean="0"/>
-              <a:t>ㄱㄱ</a:t>
-            </a:r>
-            <a:r>
-              <a:rPr lang="en-US" altLang="ko-KR" dirty="0" smtClean="0"/>
-              <a:t>.</a:t>
-            </a:r>
-          </a:p>
-          <a:p>
-            <a:endParaRPr lang="en-US" altLang="ko-KR" dirty="0"/>
-          </a:p>
-          <a:p>
             <a:endParaRPr lang="en-US" altLang="ko-KR" dirty="0" smtClean="0"/>
           </a:p>
         </p:txBody>
@@ -7124,7 +7156,7 @@
     </p:spTree>
     <p:extLst>
       <p:ext uri="{BB962C8B-B14F-4D97-AF65-F5344CB8AC3E}">
-        <p14:creationId xmlns:p14="http://schemas.microsoft.com/office/powerpoint/2010/main" val="3471957592"/>
+        <p14:creationId xmlns:p14="http://schemas.microsoft.com/office/powerpoint/2010/main" val="1786347880"/>
       </p:ext>
     </p:extLst>
   </p:cSld>
@@ -7554,6 +7586,208 @@
     <p:extLst>
       <p:ext uri="{BB962C8B-B14F-4D97-AF65-F5344CB8AC3E}">
         <p14:creationId xmlns:p14="http://schemas.microsoft.com/office/powerpoint/2010/main" val="529585528"/>
+      </p:ext>
+    </p:extLst>
+  </p:cSld>
+  <p:clrMapOvr>
+    <a:masterClrMapping/>
+  </p:clrMapOvr>
+  <p:timing>
+    <p:tnLst>
+      <p:par>
+        <p:cTn id="1" dur="indefinite" restart="never" nodeType="tmRoot"/>
+      </p:par>
+    </p:tnLst>
+  </p:timing>
+</p:sld>
+</file>
+
+<file path=ppt/slides/slide20.xml><?xml version="1.0" encoding="utf-8"?>
+<p:sld xmlns:a="http://schemas.openxmlformats.org/drawingml/2006/main" xmlns:r="http://schemas.openxmlformats.org/officeDocument/2006/relationships" xmlns:p="http://schemas.openxmlformats.org/presentationml/2006/main">
+  <p:cSld>
+    <p:spTree>
+      <p:nvGrpSpPr>
+        <p:cNvPr id="1" name=""/>
+        <p:cNvGrpSpPr/>
+        <p:nvPr/>
+      </p:nvGrpSpPr>
+      <p:grpSpPr>
+        <a:xfrm>
+          <a:off x="0" y="0"/>
+          <a:ext cx="0" cy="0"/>
+          <a:chOff x="0" y="0"/>
+          <a:chExt cx="0" cy="0"/>
+        </a:xfrm>
+      </p:grpSpPr>
+      <p:sp>
+        <p:nvSpPr>
+          <p:cNvPr id="2" name="제목 1"/>
+          <p:cNvSpPr>
+            <a:spLocks noGrp="1"/>
+          </p:cNvSpPr>
+          <p:nvPr>
+            <p:ph type="title"/>
+          </p:nvPr>
+        </p:nvSpPr>
+        <p:spPr>
+          <a:xfrm>
+            <a:off x="755576" y="557808"/>
+            <a:ext cx="7772400" cy="854968"/>
+          </a:xfrm>
+        </p:spPr>
+        <p:txBody>
+          <a:bodyPr>
+            <a:noAutofit/>
+          </a:bodyPr>
+          <a:lstStyle/>
+          <a:p>
+            <a:pPr algn="ctr"/>
+            <a:r>
+              <a:rPr lang="ko-KR" altLang="en-US" sz="4800" dirty="0">
+                <a:solidFill>
+                  <a:schemeClr val="tx1"/>
+                </a:solidFill>
+                <a:latin typeface="1훈하얀고양이 R" pitchFamily="18" charset="-127"/>
+                <a:ea typeface="1훈하얀고양이 R" pitchFamily="18" charset="-127"/>
+              </a:rPr>
+              <a:t>그래서 무슨 말이 하고 싶은데</a:t>
+            </a:r>
+            <a:r>
+              <a:rPr lang="en-US" altLang="ko-KR" sz="4800" dirty="0">
+                <a:solidFill>
+                  <a:schemeClr val="tx1"/>
+                </a:solidFill>
+                <a:latin typeface="1훈하얀고양이 R" pitchFamily="18" charset="-127"/>
+                <a:ea typeface="1훈하얀고양이 R" pitchFamily="18" charset="-127"/>
+              </a:rPr>
+              <a:t>? - </a:t>
+            </a:r>
+            <a:r>
+              <a:rPr lang="ko-KR" altLang="en-US" sz="4800" dirty="0">
+                <a:solidFill>
+                  <a:schemeClr val="tx1"/>
+                </a:solidFill>
+                <a:latin typeface="1훈하얀고양이 R" pitchFamily="18" charset="-127"/>
+                <a:ea typeface="1훈하얀고양이 R" pitchFamily="18" charset="-127"/>
+              </a:rPr>
+              <a:t>정리</a:t>
+            </a:r>
+          </a:p>
+        </p:txBody>
+      </p:sp>
+      <p:sp>
+        <p:nvSpPr>
+          <p:cNvPr id="3" name="내용 개체 틀 2"/>
+          <p:cNvSpPr>
+            <a:spLocks noGrp="1"/>
+          </p:cNvSpPr>
+          <p:nvPr>
+            <p:ph sz="quarter" idx="1"/>
+          </p:nvPr>
+        </p:nvSpPr>
+        <p:spPr>
+          <a:xfrm>
+            <a:off x="755576" y="1988840"/>
+            <a:ext cx="7772400" cy="4392488"/>
+          </a:xfrm>
+        </p:spPr>
+        <p:txBody>
+          <a:bodyPr>
+            <a:normAutofit/>
+          </a:bodyPr>
+          <a:lstStyle/>
+          <a:p>
+            <a:r>
+              <a:rPr lang="ko-KR" altLang="en-US" dirty="0" smtClean="0"/>
+              <a:t>뭘 할지 모르겠다면 눈치만 볼 게 아니라</a:t>
+            </a:r>
+            <a:r>
+              <a:rPr lang="en-US" altLang="ko-KR" dirty="0" smtClean="0"/>
+              <a:t>,</a:t>
+            </a:r>
+            <a:r>
+              <a:rPr lang="ko-KR" altLang="en-US" dirty="0" smtClean="0"/>
+              <a:t> 뭐라도 한 번 </a:t>
+            </a:r>
+            <a:r>
+              <a:rPr lang="ko-KR" altLang="en-US" dirty="0" err="1" smtClean="0"/>
+              <a:t>부딫혀보는</a:t>
+            </a:r>
+            <a:r>
+              <a:rPr lang="ko-KR" altLang="en-US" dirty="0" smtClean="0"/>
+              <a:t> 것도 방법이라고 생각함</a:t>
+            </a:r>
+            <a:r>
+              <a:rPr lang="en-US" altLang="ko-KR" dirty="0" smtClean="0"/>
+              <a:t>.</a:t>
+            </a:r>
+          </a:p>
+          <a:p>
+            <a:endParaRPr lang="en-US" altLang="ko-KR" dirty="0"/>
+          </a:p>
+          <a:p>
+            <a:r>
+              <a:rPr lang="ko-KR" altLang="en-US" dirty="0" smtClean="0"/>
+              <a:t>판단도 판단 기준이 있어야 하는 것인데</a:t>
+            </a:r>
+            <a:r>
+              <a:rPr lang="en-US" altLang="ko-KR" dirty="0" smtClean="0"/>
+              <a:t>, </a:t>
+            </a:r>
+            <a:r>
+              <a:rPr lang="ko-KR" altLang="en-US" dirty="0" smtClean="0"/>
+              <a:t>가만히 있어서는 결국 아무 결정도 못 내림</a:t>
+            </a:r>
+            <a:r>
+              <a:rPr lang="en-US" altLang="ko-KR" dirty="0" smtClean="0"/>
+              <a:t>.</a:t>
+            </a:r>
+          </a:p>
+          <a:p>
+            <a:endParaRPr lang="en-US" altLang="ko-KR" dirty="0"/>
+          </a:p>
+          <a:p>
+            <a:r>
+              <a:rPr lang="ko-KR" altLang="en-US" dirty="0" smtClean="0"/>
+              <a:t>혹시 이런 거에 </a:t>
+            </a:r>
+            <a:r>
+              <a:rPr lang="ko-KR" altLang="en-US" dirty="0" err="1" smtClean="0"/>
+              <a:t>관심있거나</a:t>
+            </a:r>
+            <a:r>
+              <a:rPr lang="en-US" altLang="ko-KR" dirty="0" smtClean="0"/>
+              <a:t>, </a:t>
+            </a:r>
+            <a:r>
+              <a:rPr lang="ko-KR" altLang="en-US" dirty="0" err="1" smtClean="0"/>
+              <a:t>궁금한거</a:t>
+            </a:r>
+            <a:r>
+              <a:rPr lang="ko-KR" altLang="en-US" dirty="0" smtClean="0"/>
+              <a:t> 있으면 언제든 연락 </a:t>
+            </a:r>
+            <a:r>
+              <a:rPr lang="ko-KR" altLang="en-US" dirty="0" err="1" smtClean="0"/>
+              <a:t>ㄱㄱ</a:t>
+            </a:r>
+            <a:r>
+              <a:rPr lang="en-US" altLang="ko-KR" dirty="0" smtClean="0"/>
+              <a:t>.</a:t>
+            </a:r>
+          </a:p>
+          <a:p>
+            <a:endParaRPr lang="en-US" altLang="ko-KR" dirty="0"/>
+          </a:p>
+          <a:p>
+            <a:endParaRPr lang="en-US" altLang="ko-KR" dirty="0" smtClean="0"/>
+          </a:p>
+        </p:txBody>
+      </p:sp>
+    </p:spTree>
+    <p:extLst>
+      <p:ext uri="{BB962C8B-B14F-4D97-AF65-F5344CB8AC3E}">
+        <p14:creationId xmlns:p14="http://schemas.microsoft.com/office/powerpoint/2010/main" val="3471957592"/>
       </p:ext>
     </p:extLst>
   </p:cSld>
@@ -7964,7 +8198,9 @@
       </p:sp>
       <p:pic>
         <p:nvPicPr>
-          <p:cNvPr id="5" name="내용 개체 틀 4"/>
+          <p:cNvPr id="5" name="내용 개체 틀 4">
+            <a:hlinkClick r:id="rId2"/>
+          </p:cNvPr>
           <p:cNvPicPr>
             <a:picLocks noGrp="1" noChangeAspect="1"/>
           </p:cNvPicPr>
@@ -7973,7 +8209,7 @@
           </p:nvPr>
         </p:nvPicPr>
         <p:blipFill>
-          <a:blip r:embed="rId2" cstate="print">
+          <a:blip r:embed="rId3" cstate="print">
             <a:extLst>
               <a:ext uri="{28A0092B-C50C-407E-A947-70E740481C1C}">
                 <a14:useLocalDpi xmlns:a14="http://schemas.microsoft.com/office/drawing/2010/main" val="0"/>
@@ -8301,6 +8537,52 @@
               <a:rPr lang="en-US" altLang="ko-KR" dirty="0" smtClean="0"/>
               <a:t>.</a:t>
             </a:r>
+          </a:p>
+        </p:txBody>
+      </p:sp>
+      <p:sp>
+        <p:nvSpPr>
+          <p:cNvPr id="3" name="TextBox 2"/>
+          <p:cNvSpPr txBox="1"/>
+          <p:nvPr/>
+        </p:nvSpPr>
+        <p:spPr>
+          <a:xfrm>
+            <a:off x="1619672" y="1412776"/>
+            <a:ext cx="707245" cy="369332"/>
+          </a:xfrm>
+          <a:prstGeom prst="rect">
+            <a:avLst/>
+          </a:prstGeom>
+          <a:noFill/>
+        </p:spPr>
+        <p:txBody>
+          <a:bodyPr wrap="none" rtlCol="0">
+            <a:spAutoFit/>
+          </a:bodyPr>
+          <a:lstStyle/>
+          <a:p>
+            <a:r>
+              <a:rPr lang="ko-KR" altLang="en-US" dirty="0" smtClean="0">
+                <a:solidFill>
+                  <a:srgbClr val="FF0000"/>
+                </a:solidFill>
+              </a:rPr>
+              <a:t>링크</a:t>
+            </a:r>
+            <a:r>
+              <a:rPr lang="en-US" altLang="ko-KR" dirty="0" smtClean="0">
+                <a:solidFill>
+                  <a:srgbClr val="FF0000"/>
+                </a:solidFill>
+              </a:rPr>
+              <a:t>!</a:t>
+            </a:r>
+            <a:endParaRPr lang="ko-KR" altLang="en-US" dirty="0">
+              <a:solidFill>
+                <a:srgbClr val="FF0000"/>
+              </a:solidFill>
+            </a:endParaRPr>
           </a:p>
         </p:txBody>
       </p:sp>
@@ -8755,7 +9037,7 @@
     </p:spTree>
     <p:extLst>
       <p:ext uri="{BB962C8B-B14F-4D97-AF65-F5344CB8AC3E}">
-        <p14:creationId xmlns:p14="http://schemas.microsoft.com/office/powerpoint/2010/main" val="920950387"/>
+        <p14:creationId xmlns:p14="http://schemas.microsoft.com/office/powerpoint/2010/main" val="2406323028"/>
       </p:ext>
     </p:extLst>
   </p:cSld>
@@ -8807,63 +9089,44 @@
         </p:spPr>
         <p:txBody>
           <a:bodyPr>
-            <a:normAutofit fontScale="90000"/>
+            <a:normAutofit/>
           </a:bodyPr>
           <a:lstStyle/>
           <a:p>
-            <a:r>
-              <a:rPr lang="ko-KR" altLang="en-US" sz="4400" dirty="0">
-                <a:solidFill>
-                  <a:schemeClr val="tx1"/>
-                </a:solidFill>
-                <a:latin typeface="1훈하얀고양이 R" pitchFamily="18" charset="-127"/>
-                <a:ea typeface="1훈하얀고양이 R" pitchFamily="18" charset="-127"/>
-              </a:rPr>
-              <a:t>거기서 정확히 뭐 </a:t>
-            </a:r>
-            <a:r>
-              <a:rPr lang="ko-KR" altLang="en-US" sz="4400" dirty="0" err="1">
-                <a:solidFill>
-                  <a:schemeClr val="tx1"/>
-                </a:solidFill>
-                <a:latin typeface="1훈하얀고양이 R" pitchFamily="18" charset="-127"/>
-                <a:ea typeface="1훈하얀고양이 R" pitchFamily="18" charset="-127"/>
-              </a:rPr>
-              <a:t>하는거야</a:t>
-            </a:r>
-            <a:r>
-              <a:rPr lang="en-US" altLang="ko-KR" sz="4400" dirty="0">
-                <a:solidFill>
-                  <a:schemeClr val="tx1"/>
-                </a:solidFill>
-                <a:latin typeface="1훈하얀고양이 R" pitchFamily="18" charset="-127"/>
-                <a:ea typeface="1훈하얀고양이 R" pitchFamily="18" charset="-127"/>
-              </a:rPr>
-              <a:t>? – </a:t>
-            </a:r>
-            <a:r>
-              <a:rPr lang="ko-KR" altLang="en-US" sz="4400" dirty="0" err="1">
-                <a:solidFill>
-                  <a:schemeClr val="tx1"/>
-                </a:solidFill>
-                <a:latin typeface="1훈하얀고양이 R" pitchFamily="18" charset="-127"/>
-                <a:ea typeface="1훈하얀고양이 R" pitchFamily="18" charset="-127"/>
-              </a:rPr>
-              <a:t>게임잼</a:t>
-            </a:r>
-            <a:r>
-              <a:rPr lang="ko-KR" altLang="en-US" sz="4400" dirty="0">
-                <a:solidFill>
-                  <a:schemeClr val="tx1"/>
-                </a:solidFill>
-                <a:latin typeface="1훈하얀고양이 R" pitchFamily="18" charset="-127"/>
-                <a:ea typeface="1훈하얀고양이 R" pitchFamily="18" charset="-127"/>
-              </a:rPr>
-              <a:t> 내부 스케치</a:t>
+            <a:pPr algn="ctr"/>
+            <a:r>
+              <a:rPr lang="ko-KR" altLang="en-US" sz="4400" dirty="0" smtClean="0">
+                <a:solidFill>
+                  <a:srgbClr val="FF0000"/>
+                </a:solidFill>
+                <a:latin typeface="1훈하얀고양이 R" pitchFamily="18" charset="-127"/>
+                <a:ea typeface="1훈하얀고양이 R" pitchFamily="18" charset="-127"/>
+              </a:rPr>
+              <a:t>여기서 잠깐</a:t>
+            </a:r>
+            <a:r>
+              <a:rPr lang="en-US" altLang="ko-KR" sz="4400" dirty="0" smtClean="0">
+                <a:solidFill>
+                  <a:srgbClr val="FF0000"/>
+                </a:solidFill>
+                <a:latin typeface="1훈하얀고양이 R" pitchFamily="18" charset="-127"/>
+                <a:ea typeface="1훈하얀고양이 R" pitchFamily="18" charset="-127"/>
+              </a:rPr>
+              <a:t>! – </a:t>
+            </a:r>
+            <a:r>
+              <a:rPr lang="ko-KR" altLang="en-US" sz="4400" dirty="0" smtClean="0">
+                <a:solidFill>
+                  <a:srgbClr val="FF0000"/>
+                </a:solidFill>
+                <a:latin typeface="1훈하얀고양이 R" pitchFamily="18" charset="-127"/>
+                <a:ea typeface="1훈하얀고양이 R" pitchFamily="18" charset="-127"/>
+              </a:rPr>
+              <a:t>게임개발 직군</a:t>
             </a:r>
             <a:endParaRPr lang="en-US" altLang="ko-KR" sz="4400" dirty="0">
               <a:solidFill>
-                <a:schemeClr val="tx1"/>
+                <a:srgbClr val="FF0000"/>
               </a:solidFill>
               <a:latin typeface="1훈하얀고양이 R" pitchFamily="18" charset="-127"/>
               <a:ea typeface="1훈하얀고양이 R" pitchFamily="18" charset="-127"/>
@@ -8883,8 +9146,8 @@
         </p:nvSpPr>
         <p:spPr>
           <a:xfrm>
-            <a:off x="755576" y="4581128"/>
-            <a:ext cx="7772400" cy="2016224"/>
+            <a:off x="755576" y="1521296"/>
+            <a:ext cx="7772400" cy="5076056"/>
           </a:xfrm>
         </p:spPr>
         <p:txBody>
@@ -8895,94 +9158,529 @@
           <a:p>
             <a:r>
               <a:rPr lang="ko-KR" altLang="en-US" dirty="0" smtClean="0"/>
-              <a:t>내부 시설은 좋은 편임</a:t>
-            </a:r>
-            <a:endParaRPr lang="en-US" altLang="ko-KR" dirty="0" smtClean="0"/>
-          </a:p>
-          <a:p>
-            <a:endParaRPr lang="en-US" altLang="ko-KR" dirty="0" smtClean="0"/>
-          </a:p>
-          <a:p>
-            <a:r>
-              <a:rPr lang="ko-KR" altLang="en-US" dirty="0" smtClean="0"/>
-              <a:t>간단한 자기소개 후</a:t>
+              <a:t>잠깐 게임개발 </a:t>
+            </a:r>
+            <a:r>
+              <a:rPr lang="ko-KR" altLang="en-US" dirty="0" err="1" smtClean="0"/>
+              <a:t>직군의</a:t>
+            </a:r>
+            <a:r>
+              <a:rPr lang="ko-KR" altLang="en-US" dirty="0" smtClean="0"/>
+              <a:t> 종류에 대해서 간단하게 알아보고 갈게요</a:t>
             </a:r>
             <a:r>
               <a:rPr lang="en-US" altLang="ko-KR" dirty="0" smtClean="0"/>
-              <a:t>, </a:t>
-            </a:r>
-            <a:r>
-              <a:rPr lang="ko-KR" altLang="en-US" dirty="0" smtClean="0"/>
-              <a:t>마음 맞는 사람을 찾아 팀을 구성함</a:t>
-            </a:r>
-            <a:endParaRPr lang="en-US" altLang="ko-KR" dirty="0" smtClean="0"/>
-          </a:p>
-        </p:txBody>
-      </p:sp>
-      <p:pic>
-        <p:nvPicPr>
-          <p:cNvPr id="4" name="그림 3"/>
-          <p:cNvPicPr>
-            <a:picLocks noChangeAspect="1"/>
-          </p:cNvPicPr>
+              <a:t>~</a:t>
+            </a:r>
+            <a:endParaRPr lang="ko-KR" altLang="en-US" dirty="0"/>
+          </a:p>
+        </p:txBody>
+      </p:sp>
+      <p:sp>
+        <p:nvSpPr>
+          <p:cNvPr id="4" name="TextBox 3">
+            <a:hlinkClick r:id="rId2"/>
+          </p:cNvPr>
+          <p:cNvSpPr txBox="1"/>
           <p:nvPr/>
-        </p:nvPicPr>
-        <p:blipFill>
-          <a:blip r:embed="rId2" cstate="print">
-            <a:extLst>
-              <a:ext uri="{28A0092B-C50C-407E-A947-70E740481C1C}">
-                <a14:useLocalDpi xmlns:a14="http://schemas.microsoft.com/office/drawing/2010/main" val="0"/>
-              </a:ext>
-            </a:extLst>
-          </a:blip>
-          <a:stretch>
-            <a:fillRect/>
-          </a:stretch>
-        </p:blipFill>
-        <p:spPr>
-          <a:xfrm>
-            <a:off x="4788024" y="1916832"/>
-            <a:ext cx="3840426" cy="2160240"/>
+        </p:nvSpPr>
+        <p:spPr>
+          <a:xfrm>
+            <a:off x="1331640" y="4150821"/>
+            <a:ext cx="1385316" cy="646331"/>
           </a:xfrm>
           <a:prstGeom prst="rect">
             <a:avLst/>
           </a:prstGeom>
-        </p:spPr>
-      </p:pic>
-      <p:pic>
-        <p:nvPicPr>
-          <p:cNvPr id="5" name="그림 4"/>
-          <p:cNvPicPr>
-            <a:picLocks noChangeAspect="1"/>
-          </p:cNvPicPr>
+          <a:gradFill>
+            <a:gsLst>
+              <a:gs pos="0">
+                <a:schemeClr val="accent1">
+                  <a:tint val="66000"/>
+                  <a:satMod val="160000"/>
+                </a:schemeClr>
+              </a:gs>
+              <a:gs pos="50000">
+                <a:schemeClr val="accent1">
+                  <a:tint val="44500"/>
+                  <a:satMod val="160000"/>
+                </a:schemeClr>
+              </a:gs>
+              <a:gs pos="100000">
+                <a:schemeClr val="accent1">
+                  <a:tint val="23500"/>
+                  <a:satMod val="160000"/>
+                </a:schemeClr>
+              </a:gs>
+            </a:gsLst>
+            <a:lin ang="5400000" scaled="0"/>
+          </a:gradFill>
+          <a:ln>
+            <a:noFill/>
+          </a:ln>
+          <a:scene3d>
+            <a:camera prst="orthographicFront"/>
+            <a:lightRig rig="threePt" dir="t"/>
+          </a:scene3d>
+          <a:sp3d extrusionH="63500" contourW="12700">
+            <a:bevelT w="114300" prst="artDeco"/>
+          </a:sp3d>
+        </p:spPr>
+        <p:txBody>
+          <a:bodyPr wrap="none" rtlCol="0">
+            <a:spAutoFit/>
+          </a:bodyPr>
+          <a:lstStyle/>
+          <a:p>
+            <a:pPr algn="ctr"/>
+            <a:r>
+              <a:rPr lang="ko-KR" altLang="en-US" dirty="0" smtClean="0"/>
+              <a:t>게임 디자인</a:t>
+            </a:r>
+            <a:endParaRPr lang="en-US" altLang="ko-KR" dirty="0" smtClean="0"/>
+          </a:p>
+          <a:p>
+            <a:pPr algn="ctr"/>
+            <a:r>
+              <a:rPr lang="en-US" altLang="ko-KR" dirty="0" smtClean="0"/>
+              <a:t>(= </a:t>
+            </a:r>
+            <a:r>
+              <a:rPr lang="ko-KR" altLang="en-US" dirty="0" smtClean="0"/>
+              <a:t>기획</a:t>
+            </a:r>
+            <a:r>
+              <a:rPr lang="en-US" altLang="ko-KR" dirty="0" smtClean="0"/>
+              <a:t>)</a:t>
+            </a:r>
+            <a:endParaRPr lang="ko-KR" altLang="en-US" dirty="0"/>
+          </a:p>
+        </p:txBody>
+      </p:sp>
+      <p:sp>
+        <p:nvSpPr>
+          <p:cNvPr id="9" name="TextBox 8">
+            <a:hlinkClick r:id="rId3" action="ppaction://hlinkfile"/>
+          </p:cNvPr>
+          <p:cNvSpPr txBox="1"/>
           <p:nvPr/>
-        </p:nvPicPr>
-        <p:blipFill>
-          <a:blip r:embed="rId3" cstate="print">
-            <a:extLst>
-              <a:ext uri="{28A0092B-C50C-407E-A947-70E740481C1C}">
-                <a14:useLocalDpi xmlns:a14="http://schemas.microsoft.com/office/drawing/2010/main" val="0"/>
-              </a:ext>
-            </a:extLst>
-          </a:blip>
-          <a:stretch>
-            <a:fillRect/>
-          </a:stretch>
-        </p:blipFill>
-        <p:spPr>
-          <a:xfrm>
-            <a:off x="755576" y="1889828"/>
-            <a:ext cx="3888433" cy="2187244"/>
+        </p:nvSpPr>
+        <p:spPr>
+          <a:xfrm>
+            <a:off x="3657753" y="4150821"/>
+            <a:ext cx="1595309" cy="646331"/>
           </a:xfrm>
           <a:prstGeom prst="rect">
             <a:avLst/>
           </a:prstGeom>
-        </p:spPr>
-      </p:pic>
+          <a:gradFill>
+            <a:gsLst>
+              <a:gs pos="0">
+                <a:schemeClr val="accent1">
+                  <a:tint val="66000"/>
+                  <a:satMod val="160000"/>
+                </a:schemeClr>
+              </a:gs>
+              <a:gs pos="50000">
+                <a:schemeClr val="accent1">
+                  <a:tint val="44500"/>
+                  <a:satMod val="160000"/>
+                </a:schemeClr>
+              </a:gs>
+              <a:gs pos="100000">
+                <a:schemeClr val="accent1">
+                  <a:tint val="23500"/>
+                  <a:satMod val="160000"/>
+                </a:schemeClr>
+              </a:gs>
+            </a:gsLst>
+            <a:lin ang="5400000" scaled="0"/>
+          </a:gradFill>
+          <a:ln>
+            <a:noFill/>
+          </a:ln>
+          <a:scene3d>
+            <a:camera prst="orthographicFront"/>
+            <a:lightRig rig="threePt" dir="t"/>
+          </a:scene3d>
+          <a:sp3d extrusionH="63500" contourW="12700">
+            <a:bevelT w="114300" prst="artDeco"/>
+          </a:sp3d>
+        </p:spPr>
+        <p:txBody>
+          <a:bodyPr wrap="none" rtlCol="0">
+            <a:spAutoFit/>
+          </a:bodyPr>
+          <a:lstStyle/>
+          <a:p>
+            <a:pPr algn="ctr"/>
+            <a:r>
+              <a:rPr lang="ko-KR" altLang="en-US" dirty="0" smtClean="0"/>
+              <a:t>프로그램</a:t>
+            </a:r>
+            <a:endParaRPr lang="en-US" altLang="ko-KR" dirty="0" smtClean="0"/>
+          </a:p>
+          <a:p>
+            <a:pPr algn="ctr"/>
+            <a:r>
+              <a:rPr lang="en-US" altLang="ko-KR" dirty="0" smtClean="0"/>
+              <a:t>(=</a:t>
+            </a:r>
+            <a:r>
+              <a:rPr lang="ko-KR" altLang="en-US" dirty="0" smtClean="0"/>
+              <a:t>프로그래밍</a:t>
+            </a:r>
+            <a:r>
+              <a:rPr lang="en-US" altLang="ko-KR" dirty="0" smtClean="0"/>
+              <a:t>)</a:t>
+            </a:r>
+          </a:p>
+        </p:txBody>
+      </p:sp>
+      <p:sp>
+        <p:nvSpPr>
+          <p:cNvPr id="10" name="TextBox 9">
+            <a:hlinkClick r:id="rId4" action="ppaction://hlinkfile"/>
+          </p:cNvPr>
+          <p:cNvSpPr txBox="1"/>
+          <p:nvPr/>
+        </p:nvSpPr>
+        <p:spPr>
+          <a:xfrm>
+            <a:off x="6156176" y="4150821"/>
+            <a:ext cx="1410963" cy="646331"/>
+          </a:xfrm>
+          <a:prstGeom prst="rect">
+            <a:avLst/>
+          </a:prstGeom>
+          <a:gradFill>
+            <a:gsLst>
+              <a:gs pos="0">
+                <a:schemeClr val="accent1">
+                  <a:tint val="66000"/>
+                  <a:satMod val="160000"/>
+                </a:schemeClr>
+              </a:gs>
+              <a:gs pos="50000">
+                <a:schemeClr val="accent1">
+                  <a:tint val="44500"/>
+                  <a:satMod val="160000"/>
+                </a:schemeClr>
+              </a:gs>
+              <a:gs pos="100000">
+                <a:schemeClr val="accent1">
+                  <a:tint val="23500"/>
+                  <a:satMod val="160000"/>
+                </a:schemeClr>
+              </a:gs>
+            </a:gsLst>
+            <a:lin ang="5400000" scaled="0"/>
+          </a:gradFill>
+          <a:ln>
+            <a:noFill/>
+          </a:ln>
+          <a:scene3d>
+            <a:camera prst="orthographicFront"/>
+            <a:lightRig rig="threePt" dir="t"/>
+          </a:scene3d>
+          <a:sp3d extrusionH="63500" contourW="12700">
+            <a:bevelT w="114300" prst="artDeco"/>
+          </a:sp3d>
+        </p:spPr>
+        <p:txBody>
+          <a:bodyPr wrap="none" rtlCol="0">
+            <a:spAutoFit/>
+          </a:bodyPr>
+          <a:lstStyle/>
+          <a:p>
+            <a:pPr algn="ctr"/>
+            <a:r>
+              <a:rPr lang="ko-KR" altLang="en-US" dirty="0" smtClean="0"/>
+              <a:t>아트</a:t>
+            </a:r>
+            <a:endParaRPr lang="en-US" altLang="ko-KR" dirty="0" smtClean="0"/>
+          </a:p>
+          <a:p>
+            <a:pPr algn="ctr"/>
+            <a:r>
+              <a:rPr lang="en-US" altLang="ko-KR" dirty="0" smtClean="0"/>
+              <a:t>(= </a:t>
+            </a:r>
+            <a:r>
+              <a:rPr lang="ko-KR" altLang="en-US" dirty="0" smtClean="0"/>
+              <a:t>아티스트</a:t>
+            </a:r>
+            <a:r>
+              <a:rPr lang="en-US" altLang="ko-KR" dirty="0" smtClean="0"/>
+              <a:t>)</a:t>
+            </a:r>
+            <a:endParaRPr lang="ko-KR" altLang="en-US" dirty="0"/>
+          </a:p>
+        </p:txBody>
+      </p:sp>
+      <p:sp>
+        <p:nvSpPr>
+          <p:cNvPr id="11" name="TextBox 10">
+            <a:hlinkClick r:id="rId5" action="ppaction://hlinkfile"/>
+          </p:cNvPr>
+          <p:cNvSpPr txBox="1"/>
+          <p:nvPr/>
+        </p:nvSpPr>
+        <p:spPr>
+          <a:xfrm>
+            <a:off x="3670576" y="2915652"/>
+            <a:ext cx="1569660" cy="369332"/>
+          </a:xfrm>
+          <a:prstGeom prst="rect">
+            <a:avLst/>
+          </a:prstGeom>
+          <a:gradFill>
+            <a:gsLst>
+              <a:gs pos="0">
+                <a:schemeClr val="accent1">
+                  <a:tint val="66000"/>
+                  <a:satMod val="160000"/>
+                </a:schemeClr>
+              </a:gs>
+              <a:gs pos="50000">
+                <a:schemeClr val="accent1">
+                  <a:tint val="44500"/>
+                  <a:satMod val="160000"/>
+                </a:schemeClr>
+              </a:gs>
+              <a:gs pos="100000">
+                <a:schemeClr val="accent1">
+                  <a:tint val="23500"/>
+                  <a:satMod val="160000"/>
+                </a:schemeClr>
+              </a:gs>
+            </a:gsLst>
+            <a:lin ang="5400000" scaled="0"/>
+          </a:gradFill>
+          <a:ln>
+            <a:noFill/>
+          </a:ln>
+          <a:scene3d>
+            <a:camera prst="orthographicFront"/>
+            <a:lightRig rig="threePt" dir="t"/>
+          </a:scene3d>
+          <a:sp3d extrusionH="63500" contourW="12700">
+            <a:bevelT w="114300" prst="artDeco"/>
+          </a:sp3d>
+        </p:spPr>
+        <p:txBody>
+          <a:bodyPr wrap="none" rtlCol="0">
+            <a:spAutoFit/>
+          </a:bodyPr>
+          <a:lstStyle/>
+          <a:p>
+            <a:pPr algn="ctr"/>
+            <a:r>
+              <a:rPr lang="ko-KR" altLang="en-US" dirty="0" smtClean="0"/>
+              <a:t>게임개발직군</a:t>
+            </a:r>
+            <a:endParaRPr lang="ko-KR" altLang="en-US" dirty="0"/>
+          </a:p>
+        </p:txBody>
+      </p:sp>
+      <p:cxnSp>
+        <p:nvCxnSpPr>
+          <p:cNvPr id="13" name="꺾인 연결선 12"/>
+          <p:cNvCxnSpPr>
+            <a:stCxn id="11" idx="2"/>
+            <a:endCxn id="4" idx="0"/>
+          </p:cNvCxnSpPr>
+          <p:nvPr/>
+        </p:nvCxnSpPr>
+        <p:spPr>
+          <a:xfrm rot="5400000">
+            <a:off x="2806934" y="2502348"/>
+            <a:ext cx="865837" cy="2431108"/>
+          </a:xfrm>
+          <a:prstGeom prst="bentConnector3">
+            <a:avLst/>
+          </a:prstGeom>
+          <a:ln>
+            <a:tailEnd type="arrow"/>
+          </a:ln>
+        </p:spPr>
+        <p:style>
+          <a:lnRef idx="1">
+            <a:schemeClr val="accent1"/>
+          </a:lnRef>
+          <a:fillRef idx="0">
+            <a:schemeClr val="accent1"/>
+          </a:fillRef>
+          <a:effectRef idx="0">
+            <a:schemeClr val="accent1"/>
+          </a:effectRef>
+          <a:fontRef idx="minor">
+            <a:schemeClr val="tx1"/>
+          </a:fontRef>
+        </p:style>
+      </p:cxnSp>
+      <p:cxnSp>
+        <p:nvCxnSpPr>
+          <p:cNvPr id="15" name="꺾인 연결선 14"/>
+          <p:cNvCxnSpPr>
+            <a:endCxn id="10" idx="0"/>
+          </p:cNvCxnSpPr>
+          <p:nvPr/>
+        </p:nvCxnSpPr>
+        <p:spPr>
+          <a:xfrm>
+            <a:off x="4455407" y="3717902"/>
+            <a:ext cx="2406251" cy="432919"/>
+          </a:xfrm>
+          <a:prstGeom prst="bentConnector2">
+            <a:avLst/>
+          </a:prstGeom>
+          <a:ln>
+            <a:tailEnd type="arrow"/>
+          </a:ln>
+        </p:spPr>
+        <p:style>
+          <a:lnRef idx="1">
+            <a:schemeClr val="accent1"/>
+          </a:lnRef>
+          <a:fillRef idx="0">
+            <a:schemeClr val="accent1"/>
+          </a:fillRef>
+          <a:effectRef idx="0">
+            <a:schemeClr val="accent1"/>
+          </a:effectRef>
+          <a:fontRef idx="minor">
+            <a:schemeClr val="tx1"/>
+          </a:fontRef>
+        </p:style>
+      </p:cxnSp>
+      <p:cxnSp>
+        <p:nvCxnSpPr>
+          <p:cNvPr id="17" name="직선 화살표 연결선 16"/>
+          <p:cNvCxnSpPr/>
+          <p:nvPr/>
+        </p:nvCxnSpPr>
+        <p:spPr>
+          <a:xfrm>
+            <a:off x="4455407" y="3717902"/>
+            <a:ext cx="1" cy="432919"/>
+          </a:xfrm>
+          <a:prstGeom prst="straightConnector1">
+            <a:avLst/>
+          </a:prstGeom>
+          <a:ln>
+            <a:tailEnd type="arrow"/>
+          </a:ln>
+        </p:spPr>
+        <p:style>
+          <a:lnRef idx="1">
+            <a:schemeClr val="accent1"/>
+          </a:lnRef>
+          <a:fillRef idx="0">
+            <a:schemeClr val="accent1"/>
+          </a:fillRef>
+          <a:effectRef idx="0">
+            <a:schemeClr val="accent1"/>
+          </a:effectRef>
+          <a:fontRef idx="minor">
+            <a:schemeClr val="tx1"/>
+          </a:fontRef>
+        </p:style>
+      </p:cxnSp>
+      <p:sp>
+        <p:nvSpPr>
+          <p:cNvPr id="18" name="TextBox 17"/>
+          <p:cNvSpPr txBox="1"/>
+          <p:nvPr/>
+        </p:nvSpPr>
+        <p:spPr>
+          <a:xfrm>
+            <a:off x="1366746" y="5435932"/>
+            <a:ext cx="6229590" cy="369332"/>
+          </a:xfrm>
+          <a:prstGeom prst="rect">
+            <a:avLst/>
+          </a:prstGeom>
+          <a:noFill/>
+          <a:ln>
+            <a:solidFill>
+              <a:srgbClr val="FF0000"/>
+            </a:solidFill>
+          </a:ln>
+        </p:spPr>
+        <p:txBody>
+          <a:bodyPr wrap="none" rtlCol="0">
+            <a:spAutoFit/>
+          </a:bodyPr>
+          <a:lstStyle/>
+          <a:p>
+            <a:r>
+              <a:rPr lang="ko-KR" altLang="en-US" dirty="0" smtClean="0"/>
+              <a:t>저 같은 경우는 이번 </a:t>
+            </a:r>
+            <a:r>
+              <a:rPr lang="ko-KR" altLang="en-US" dirty="0" err="1" smtClean="0"/>
+              <a:t>게임잼에</a:t>
+            </a:r>
+            <a:r>
+              <a:rPr lang="ko-KR" altLang="en-US" dirty="0" smtClean="0"/>
+              <a:t> 기획자로 신청해서 갔습니다</a:t>
+            </a:r>
+            <a:r>
+              <a:rPr lang="en-US" altLang="ko-KR" dirty="0" smtClean="0"/>
+              <a:t>!~</a:t>
+            </a:r>
+            <a:endParaRPr lang="ko-KR" altLang="en-US" dirty="0"/>
+          </a:p>
+        </p:txBody>
+      </p:sp>
+      <p:sp>
+        <p:nvSpPr>
+          <p:cNvPr id="24" name="위쪽 화살표 23"/>
+          <p:cNvSpPr/>
+          <p:nvPr/>
+        </p:nvSpPr>
+        <p:spPr>
+          <a:xfrm>
+            <a:off x="1979712" y="4941168"/>
+            <a:ext cx="188602" cy="360040"/>
+          </a:xfrm>
+          <a:prstGeom prst="upArrow">
+            <a:avLst/>
+          </a:prstGeom>
+          <a:solidFill>
+            <a:srgbClr val="FF0000"/>
+          </a:solidFill>
+        </p:spPr>
+        <p:style>
+          <a:lnRef idx="2">
+            <a:schemeClr val="accent1">
+              <a:shade val="50000"/>
+            </a:schemeClr>
+          </a:lnRef>
+          <a:fillRef idx="1">
+            <a:schemeClr val="accent1"/>
+          </a:fillRef>
+          <a:effectRef idx="0">
+            <a:schemeClr val="accent1"/>
+          </a:effectRef>
+          <a:fontRef idx="minor">
+            <a:schemeClr val="lt1"/>
+          </a:fontRef>
+        </p:style>
+        <p:txBody>
+          <a:bodyPr rtlCol="0" anchor="ctr"/>
+          <a:lstStyle/>
+          <a:p>
+            <a:pPr algn="ctr"/>
+            <a:endParaRPr lang="ko-KR" altLang="en-US"/>
+          </a:p>
+        </p:txBody>
+      </p:sp>
     </p:spTree>
     <p:extLst>
       <p:ext uri="{BB962C8B-B14F-4D97-AF65-F5344CB8AC3E}">
-        <p14:creationId xmlns:p14="http://schemas.microsoft.com/office/powerpoint/2010/main" val="2084997032"/>
+        <p14:creationId xmlns:p14="http://schemas.microsoft.com/office/powerpoint/2010/main" val="920950387"/>
       </p:ext>
     </p:extLst>
   </p:cSld>
@@ -9122,45 +9820,25 @@
           <a:p>
             <a:r>
               <a:rPr lang="ko-KR" altLang="en-US" dirty="0" smtClean="0"/>
-              <a:t>팀 빌딩 후 </a:t>
-            </a:r>
-            <a:r>
-              <a:rPr lang="ko-KR" altLang="en-US" dirty="0" err="1" smtClean="0"/>
-              <a:t>이런식으로</a:t>
-            </a:r>
-            <a:r>
-              <a:rPr lang="ko-KR" altLang="en-US" dirty="0" smtClean="0"/>
-              <a:t> </a:t>
-            </a:r>
-            <a:r>
-              <a:rPr lang="ko-KR" altLang="en-US" dirty="0" err="1" smtClean="0"/>
-              <a:t>이틀동안</a:t>
-            </a:r>
-            <a:r>
-              <a:rPr lang="ko-KR" altLang="en-US" dirty="0" smtClean="0"/>
-              <a:t> 개발 </a:t>
-            </a:r>
-            <a:r>
-              <a:rPr lang="ko-KR" altLang="en-US" dirty="0" err="1" smtClean="0"/>
-              <a:t>ㄱㄱ</a:t>
+              <a:t>내부 시설은 좋은 편임</a:t>
             </a:r>
             <a:endParaRPr lang="en-US" altLang="ko-KR" dirty="0" smtClean="0"/>
           </a:p>
           <a:p>
-            <a:endParaRPr lang="en-US" altLang="ko-KR" dirty="0"/>
-          </a:p>
-          <a:p>
-            <a:r>
-              <a:rPr lang="ko-KR" altLang="en-US" dirty="0" smtClean="0"/>
-              <a:t>나 같은 경우는 팀장 및 </a:t>
-            </a:r>
-            <a:r>
-              <a:rPr lang="ko-KR" altLang="en-US" dirty="0" err="1" smtClean="0"/>
-              <a:t>맵</a:t>
-            </a:r>
-            <a:r>
-              <a:rPr lang="ko-KR" altLang="en-US" dirty="0" smtClean="0"/>
-              <a:t> 구성을 맡았음</a:t>
+            <a:endParaRPr lang="en-US" altLang="ko-KR" dirty="0" smtClean="0"/>
+          </a:p>
+          <a:p>
+            <a:r>
+              <a:rPr lang="ko-KR" altLang="en-US" dirty="0" smtClean="0"/>
+              <a:t>간단한 자기소개 후</a:t>
+            </a:r>
+            <a:r>
+              <a:rPr lang="en-US" altLang="ko-KR" dirty="0" smtClean="0"/>
+              <a:t>, </a:t>
+            </a:r>
+            <a:r>
+              <a:rPr lang="ko-KR" altLang="en-US" dirty="0" smtClean="0"/>
+              <a:t>마음 맞는 사람을 찾아 팀을 구성함</a:t>
             </a:r>
             <a:endParaRPr lang="en-US" altLang="ko-KR" dirty="0" smtClean="0"/>
           </a:p>
@@ -9168,7 +9846,7 @@
       </p:sp>
       <p:pic>
         <p:nvPicPr>
-          <p:cNvPr id="3" name="그림 2"/>
+          <p:cNvPr id="4" name="그림 3"/>
           <p:cNvPicPr>
             <a:picLocks noChangeAspect="1"/>
           </p:cNvPicPr>
@@ -9188,8 +9866,8 @@
         </p:blipFill>
         <p:spPr>
           <a:xfrm>
-            <a:off x="6471211" y="1412776"/>
-            <a:ext cx="1701189" cy="3024336"/>
+            <a:off x="4788024" y="1916832"/>
+            <a:ext cx="3840426" cy="2160240"/>
           </a:xfrm>
           <a:prstGeom prst="rect">
             <a:avLst/>
@@ -9198,7 +9876,7 @@
       </p:pic>
       <p:pic>
         <p:nvPicPr>
-          <p:cNvPr id="7" name="그림 6"/>
+          <p:cNvPr id="5" name="그림 4"/>
           <p:cNvPicPr>
             <a:picLocks noChangeAspect="1"/>
           </p:cNvPicPr>
@@ -9218,8 +9896,8 @@
         </p:blipFill>
         <p:spPr>
           <a:xfrm>
-            <a:off x="899591" y="1412776"/>
-            <a:ext cx="5376597" cy="3024336"/>
+            <a:off x="755576" y="1889828"/>
+            <a:ext cx="3888433" cy="2187244"/>
           </a:xfrm>
           <a:prstGeom prst="rect">
             <a:avLst/>
@@ -9229,7 +9907,7 @@
     </p:spTree>
     <p:extLst>
       <p:ext uri="{BB962C8B-B14F-4D97-AF65-F5344CB8AC3E}">
-        <p14:creationId xmlns:p14="http://schemas.microsoft.com/office/powerpoint/2010/main" val="1043740334"/>
+        <p14:creationId xmlns:p14="http://schemas.microsoft.com/office/powerpoint/2010/main" val="2084997032"/>
       </p:ext>
     </p:extLst>
   </p:cSld>
@@ -9369,7 +10047,27 @@
           <a:p>
             <a:r>
               <a:rPr lang="ko-KR" altLang="en-US" dirty="0" smtClean="0"/>
-              <a:t>식사 당연히 맛난 걸로 제공하고 야식까지 제공함</a:t>
+              <a:t>팀 빌딩 후 </a:t>
+            </a:r>
+            <a:r>
+              <a:rPr lang="ko-KR" altLang="en-US" dirty="0" err="1" smtClean="0"/>
+              <a:t>이런식으로</a:t>
+            </a:r>
+            <a:r>
+              <a:rPr lang="ko-KR" altLang="en-US" dirty="0" smtClean="0"/>
+              <a:t> </a:t>
+            </a:r>
+            <a:r>
+              <a:rPr lang="ko-KR" altLang="en-US" dirty="0" err="1" smtClean="0"/>
+              <a:t>이틀동안</a:t>
+            </a:r>
+            <a:r>
+              <a:rPr lang="ko-KR" altLang="en-US" dirty="0" smtClean="0"/>
+              <a:t> 개발 </a:t>
+            </a:r>
+            <a:r>
+              <a:rPr lang="ko-KR" altLang="en-US" dirty="0" err="1" smtClean="0"/>
+              <a:t>ㄱㄱ</a:t>
             </a:r>
             <a:endParaRPr lang="en-US" altLang="ko-KR" dirty="0" smtClean="0"/>
           </a:p>
@@ -9379,15 +10077,15 @@
           <a:p>
             <a:r>
               <a:rPr lang="ko-KR" altLang="en-US" dirty="0" smtClean="0"/>
-              <a:t>심지어 치킨</a:t>
-            </a:r>
-            <a:r>
-              <a:rPr lang="en-US" altLang="ko-KR" dirty="0" smtClean="0"/>
-              <a:t>, </a:t>
-            </a:r>
-            <a:r>
-              <a:rPr lang="ko-KR" altLang="en-US" dirty="0" smtClean="0"/>
-              <a:t>피자 남아서 행사 끝날 때 버리고 감</a:t>
+              <a:t>나 같은 경우는 팀장 및 </a:t>
+            </a:r>
+            <a:r>
+              <a:rPr lang="ko-KR" altLang="en-US" dirty="0" err="1" smtClean="0"/>
+              <a:t>맵</a:t>
+            </a:r>
+            <a:r>
+              <a:rPr lang="ko-KR" altLang="en-US" dirty="0" smtClean="0"/>
+              <a:t> 구성을 맡았음</a:t>
             </a:r>
             <a:endParaRPr lang="en-US" altLang="ko-KR" dirty="0" smtClean="0"/>
           </a:p>
@@ -9395,7 +10093,7 @@
       </p:sp>
       <p:pic>
         <p:nvPicPr>
-          <p:cNvPr id="4" name="그림 3"/>
+          <p:cNvPr id="3" name="그림 2"/>
           <p:cNvPicPr>
             <a:picLocks noChangeAspect="1"/>
           </p:cNvPicPr>
@@ -9415,8 +10113,8 @@
         </p:blipFill>
         <p:spPr>
           <a:xfrm>
-            <a:off x="4283968" y="1680736"/>
-            <a:ext cx="4260153" cy="2396336"/>
+            <a:off x="6471211" y="1412776"/>
+            <a:ext cx="1701189" cy="3024336"/>
           </a:xfrm>
           <a:prstGeom prst="rect">
             <a:avLst/>
@@ -9425,7 +10123,7 @@
       </p:pic>
       <p:pic>
         <p:nvPicPr>
-          <p:cNvPr id="5" name="그림 4"/>
+          <p:cNvPr id="7" name="그림 6"/>
           <p:cNvPicPr>
             <a:picLocks noChangeAspect="1"/>
           </p:cNvPicPr>
@@ -9444,9 +10142,9 @@
           </a:stretch>
         </p:blipFill>
         <p:spPr>
-          <a:xfrm rot="5400000">
-            <a:off x="1026831" y="1213529"/>
-            <a:ext cx="2491628" cy="3322171"/>
+          <a:xfrm>
+            <a:off x="899591" y="1412776"/>
+            <a:ext cx="5376597" cy="3024336"/>
           </a:xfrm>
           <a:prstGeom prst="rect">
             <a:avLst/>
@@ -9456,7 +10154,7 @@
     </p:spTree>
     <p:extLst>
       <p:ext uri="{BB962C8B-B14F-4D97-AF65-F5344CB8AC3E}">
-        <p14:creationId xmlns:p14="http://schemas.microsoft.com/office/powerpoint/2010/main" val="1220353160"/>
+        <p14:creationId xmlns:p14="http://schemas.microsoft.com/office/powerpoint/2010/main" val="1043740334"/>
       </p:ext>
     </p:extLst>
   </p:cSld>
@@ -9584,8 +10282,8 @@
         </p:nvSpPr>
         <p:spPr>
           <a:xfrm>
-            <a:off x="755576" y="4725144"/>
-            <a:ext cx="7772400" cy="1872208"/>
+            <a:off x="755576" y="4581128"/>
+            <a:ext cx="7772400" cy="2016224"/>
           </a:xfrm>
         </p:spPr>
         <p:txBody>
@@ -9596,11 +10294,7 @@
           <a:p>
             <a:r>
               <a:rPr lang="ko-KR" altLang="en-US" dirty="0" smtClean="0"/>
-              <a:t>저기 상자에 담긴 것들이 다 </a:t>
-            </a:r>
-            <a:r>
-              <a:rPr lang="ko-KR" altLang="en-US" dirty="0" err="1" smtClean="0"/>
-              <a:t>남은것들</a:t>
+              <a:t>식사 당연히 맛난 걸로 제공하고 야식까지 제공함</a:t>
             </a:r>
             <a:endParaRPr lang="en-US" altLang="ko-KR" dirty="0" smtClean="0"/>
           </a:p>
@@ -9609,16 +10303,16 @@
           </a:p>
           <a:p>
             <a:r>
-              <a:rPr lang="ko-KR" altLang="en-US" dirty="0" err="1" smtClean="0"/>
-              <a:t>이틀동안</a:t>
-            </a:r>
-            <a:r>
-              <a:rPr lang="ko-KR" altLang="en-US" dirty="0" smtClean="0"/>
-              <a:t> 그냥 먹다가 끝난 기분도 </a:t>
-            </a:r>
-            <a:r>
-              <a:rPr lang="ko-KR" altLang="en-US" dirty="0" err="1" smtClean="0"/>
-              <a:t>듬</a:t>
+              <a:rPr lang="ko-KR" altLang="en-US" dirty="0" smtClean="0"/>
+              <a:t>심지어 치킨</a:t>
+            </a:r>
+            <a:r>
+              <a:rPr lang="en-US" altLang="ko-KR" dirty="0" smtClean="0"/>
+              <a:t>, </a:t>
+            </a:r>
+            <a:r>
+              <a:rPr lang="ko-KR" altLang="en-US" dirty="0" smtClean="0"/>
+              <a:t>피자 남아서 행사 끝날 때 버리고 감</a:t>
             </a:r>
             <a:endParaRPr lang="en-US" altLang="ko-KR" dirty="0" smtClean="0"/>
           </a:p>
@@ -9626,7 +10320,7 @@
       </p:sp>
       <p:pic>
         <p:nvPicPr>
-          <p:cNvPr id="3" name="그림 2"/>
+          <p:cNvPr id="4" name="그림 3"/>
           <p:cNvPicPr>
             <a:picLocks noChangeAspect="1"/>
           </p:cNvPicPr>
@@ -9646,8 +10340,8 @@
         </p:blipFill>
         <p:spPr>
           <a:xfrm>
-            <a:off x="4980520" y="2617503"/>
-            <a:ext cx="3191880" cy="1795433"/>
+            <a:off x="4283968" y="1680736"/>
+            <a:ext cx="4260153" cy="2396336"/>
           </a:xfrm>
           <a:prstGeom prst="rect">
             <a:avLst/>
@@ -9656,7 +10350,7 @@
       </p:pic>
       <p:pic>
         <p:nvPicPr>
-          <p:cNvPr id="7" name="그림 6"/>
+          <p:cNvPr id="5" name="그림 4"/>
           <p:cNvPicPr>
             <a:picLocks noChangeAspect="1"/>
           </p:cNvPicPr>
@@ -9675,39 +10369,9 @@
           </a:stretch>
         </p:blipFill>
         <p:spPr>
-          <a:xfrm>
-            <a:off x="2652736" y="1633567"/>
-            <a:ext cx="3191880" cy="1795433"/>
-          </a:xfrm>
-          <a:prstGeom prst="rect">
-            <a:avLst/>
-          </a:prstGeom>
-        </p:spPr>
-      </p:pic>
-      <p:pic>
-        <p:nvPicPr>
-          <p:cNvPr id="8" name="그림 7"/>
-          <p:cNvPicPr>
-            <a:picLocks noChangeAspect="1"/>
-          </p:cNvPicPr>
-          <p:nvPr/>
-        </p:nvPicPr>
-        <p:blipFill>
-          <a:blip r:embed="rId4" cstate="print">
-            <a:extLst>
-              <a:ext uri="{28A0092B-C50C-407E-A947-70E740481C1C}">
-                <a14:useLocalDpi xmlns:a14="http://schemas.microsoft.com/office/drawing/2010/main" val="0"/>
-              </a:ext>
-            </a:extLst>
-          </a:blip>
-          <a:stretch>
-            <a:fillRect/>
-          </a:stretch>
-        </p:blipFill>
-        <p:spPr>
-          <a:xfrm>
-            <a:off x="1140568" y="2617503"/>
-            <a:ext cx="3191880" cy="1795433"/>
+          <a:xfrm rot="5400000">
+            <a:off x="1026831" y="1213529"/>
+            <a:ext cx="2491628" cy="3322171"/>
           </a:xfrm>
           <a:prstGeom prst="rect">
             <a:avLst/>
@@ -9717,7 +10381,7 @@
     </p:spTree>
     <p:extLst>
       <p:ext uri="{BB962C8B-B14F-4D97-AF65-F5344CB8AC3E}">
-        <p14:creationId xmlns:p14="http://schemas.microsoft.com/office/powerpoint/2010/main" val="1604152624"/>
+        <p14:creationId xmlns:p14="http://schemas.microsoft.com/office/powerpoint/2010/main" val="1220353160"/>
       </p:ext>
     </p:extLst>
   </p:cSld>
